--- a/Все переходы и анимации в PowerPoint 2016.pptx
+++ b/Все переходы и анимации в PowerPoint 2016.pptx
@@ -2,7 +2,7 @@
 <file path=ppt/presentation.xml><?xml version="1.0" encoding="utf-8"?>
 <p:presentation xmlns:a="http://schemas.openxmlformats.org/drawingml/2006/main" xmlns:r="http://schemas.openxmlformats.org/officeDocument/2006/relationships" xmlns:p="http://schemas.openxmlformats.org/presentationml/2006/main" saveSubsetFonts="1">
   <p:sldMasterIdLst>
-    <p:sldMasterId id="2147483648" r:id="rId1"/>
+    <p:sldMasterId id="2147483808" r:id="rId1"/>
   </p:sldMasterIdLst>
   <p:sldIdLst>
     <p:sldId id="256" r:id="rId2"/>
@@ -400,7 +400,7 @@
     </p:spTree>
     <p:extLst>
       <p:ext uri="{BB962C8B-B14F-4D97-AF65-F5344CB8AC3E}">
-        <p14:creationId xmlns:p14="http://schemas.microsoft.com/office/powerpoint/2010/main" val="2196485834"/>
+        <p14:creationId xmlns:p14="http://schemas.microsoft.com/office/powerpoint/2010/main" val="3251676526"/>
       </p:ext>
     </p:extLst>
   </p:cSld>
@@ -419,6 +419,13 @@
       </p:transition>
     </mc:Fallback>
   </mc:AlternateContent>
+  <p:timing>
+    <p:tnLst>
+      <p:par>
+        <p:cTn id="1" dur="indefinite" restart="never" nodeType="tmRoot"/>
+      </p:par>
+    </p:tnLst>
+  </p:timing>
 </p:sldLayout>
 </file>
 
@@ -582,7 +589,7 @@
     </p:spTree>
     <p:extLst>
       <p:ext uri="{BB962C8B-B14F-4D97-AF65-F5344CB8AC3E}">
-        <p14:creationId xmlns:p14="http://schemas.microsoft.com/office/powerpoint/2010/main" val="3553544650"/>
+        <p14:creationId xmlns:p14="http://schemas.microsoft.com/office/powerpoint/2010/main" val="652924616"/>
       </p:ext>
     </p:extLst>
   </p:cSld>
@@ -601,6 +608,13 @@
       </p:transition>
     </mc:Fallback>
   </mc:AlternateContent>
+  <p:timing>
+    <p:tnLst>
+      <p:par>
+        <p:cTn id="1" dur="indefinite" restart="never" nodeType="tmRoot"/>
+      </p:par>
+    </p:tnLst>
+  </p:timing>
 </p:sldLayout>
 </file>
 
@@ -774,7 +788,7 @@
     </p:spTree>
     <p:extLst>
       <p:ext uri="{BB962C8B-B14F-4D97-AF65-F5344CB8AC3E}">
-        <p14:creationId xmlns:p14="http://schemas.microsoft.com/office/powerpoint/2010/main" val="3759958690"/>
+        <p14:creationId xmlns:p14="http://schemas.microsoft.com/office/powerpoint/2010/main" val="627310180"/>
       </p:ext>
     </p:extLst>
   </p:cSld>
@@ -793,6 +807,13 @@
       </p:transition>
     </mc:Fallback>
   </mc:AlternateContent>
+  <p:timing>
+    <p:tnLst>
+      <p:par>
+        <p:cTn id="1" dur="indefinite" restart="never" nodeType="tmRoot"/>
+      </p:par>
+    </p:tnLst>
+  </p:timing>
 </p:sldLayout>
 </file>
 
@@ -956,7 +977,7 @@
     </p:spTree>
     <p:extLst>
       <p:ext uri="{BB962C8B-B14F-4D97-AF65-F5344CB8AC3E}">
-        <p14:creationId xmlns:p14="http://schemas.microsoft.com/office/powerpoint/2010/main" val="809372374"/>
+        <p14:creationId xmlns:p14="http://schemas.microsoft.com/office/powerpoint/2010/main" val="1302258454"/>
       </p:ext>
     </p:extLst>
   </p:cSld>
@@ -975,6 +996,13 @@
       </p:transition>
     </mc:Fallback>
   </mc:AlternateContent>
+  <p:timing>
+    <p:tnLst>
+      <p:par>
+        <p:cTn id="1" dur="indefinite" restart="never" nodeType="tmRoot"/>
+      </p:par>
+    </p:tnLst>
+  </p:timing>
 </p:sldLayout>
 </file>
 
@@ -1214,7 +1242,7 @@
     </p:spTree>
     <p:extLst>
       <p:ext uri="{BB962C8B-B14F-4D97-AF65-F5344CB8AC3E}">
-        <p14:creationId xmlns:p14="http://schemas.microsoft.com/office/powerpoint/2010/main" val="1810007634"/>
+        <p14:creationId xmlns:p14="http://schemas.microsoft.com/office/powerpoint/2010/main" val="3036623924"/>
       </p:ext>
     </p:extLst>
   </p:cSld>
@@ -1233,6 +1261,13 @@
       </p:transition>
     </mc:Fallback>
   </mc:AlternateContent>
+  <p:timing>
+    <p:tnLst>
+      <p:par>
+        <p:cTn id="1" dur="indefinite" restart="never" nodeType="tmRoot"/>
+      </p:par>
+    </p:tnLst>
+  </p:timing>
 </p:sldLayout>
 </file>
 
@@ -1458,7 +1493,7 @@
     </p:spTree>
     <p:extLst>
       <p:ext uri="{BB962C8B-B14F-4D97-AF65-F5344CB8AC3E}">
-        <p14:creationId xmlns:p14="http://schemas.microsoft.com/office/powerpoint/2010/main" val="2885583093"/>
+        <p14:creationId xmlns:p14="http://schemas.microsoft.com/office/powerpoint/2010/main" val="1631424530"/>
       </p:ext>
     </p:extLst>
   </p:cSld>
@@ -1477,6 +1512,13 @@
       </p:transition>
     </mc:Fallback>
   </mc:AlternateContent>
+  <p:timing>
+    <p:tnLst>
+      <p:par>
+        <p:cTn id="1" dur="indefinite" restart="never" nodeType="tmRoot"/>
+      </p:par>
+    </p:tnLst>
+  </p:timing>
 </p:sldLayout>
 </file>
 
@@ -1837,7 +1879,7 @@
     </p:spTree>
     <p:extLst>
       <p:ext uri="{BB962C8B-B14F-4D97-AF65-F5344CB8AC3E}">
-        <p14:creationId xmlns:p14="http://schemas.microsoft.com/office/powerpoint/2010/main" val="2106435818"/>
+        <p14:creationId xmlns:p14="http://schemas.microsoft.com/office/powerpoint/2010/main" val="1525720745"/>
       </p:ext>
     </p:extLst>
   </p:cSld>
@@ -1856,6 +1898,13 @@
       </p:transition>
     </mc:Fallback>
   </mc:AlternateContent>
+  <p:timing>
+    <p:tnLst>
+      <p:par>
+        <p:cTn id="1" dur="indefinite" restart="never" nodeType="tmRoot"/>
+      </p:par>
+    </p:tnLst>
+  </p:timing>
 </p:sldLayout>
 </file>
 
@@ -1967,7 +2016,7 @@
     </p:spTree>
     <p:extLst>
       <p:ext uri="{BB962C8B-B14F-4D97-AF65-F5344CB8AC3E}">
-        <p14:creationId xmlns:p14="http://schemas.microsoft.com/office/powerpoint/2010/main" val="497538316"/>
+        <p14:creationId xmlns:p14="http://schemas.microsoft.com/office/powerpoint/2010/main" val="2952573198"/>
       </p:ext>
     </p:extLst>
   </p:cSld>
@@ -1986,6 +2035,13 @@
       </p:transition>
     </mc:Fallback>
   </mc:AlternateContent>
+  <p:timing>
+    <p:tnLst>
+      <p:par>
+        <p:cTn id="1" dur="indefinite" restart="never" nodeType="tmRoot"/>
+      </p:par>
+    </p:tnLst>
+  </p:timing>
 </p:sldLayout>
 </file>
 
@@ -2074,7 +2130,7 @@
     </p:spTree>
     <p:extLst>
       <p:ext uri="{BB962C8B-B14F-4D97-AF65-F5344CB8AC3E}">
-        <p14:creationId xmlns:p14="http://schemas.microsoft.com/office/powerpoint/2010/main" val="2882343195"/>
+        <p14:creationId xmlns:p14="http://schemas.microsoft.com/office/powerpoint/2010/main" val="4040784908"/>
       </p:ext>
     </p:extLst>
   </p:cSld>
@@ -2093,6 +2149,13 @@
       </p:transition>
     </mc:Fallback>
   </mc:AlternateContent>
+  <p:timing>
+    <p:tnLst>
+      <p:par>
+        <p:cTn id="1" dur="indefinite" restart="never" nodeType="tmRoot"/>
+      </p:par>
+    </p:tnLst>
+  </p:timing>
 </p:sldLayout>
 </file>
 
@@ -2363,7 +2426,7 @@
     </p:spTree>
     <p:extLst>
       <p:ext uri="{BB962C8B-B14F-4D97-AF65-F5344CB8AC3E}">
-        <p14:creationId xmlns:p14="http://schemas.microsoft.com/office/powerpoint/2010/main" val="3345542301"/>
+        <p14:creationId xmlns:p14="http://schemas.microsoft.com/office/powerpoint/2010/main" val="1205023269"/>
       </p:ext>
     </p:extLst>
   </p:cSld>
@@ -2382,6 +2445,13 @@
       </p:transition>
     </mc:Fallback>
   </mc:AlternateContent>
+  <p:timing>
+    <p:tnLst>
+      <p:par>
+        <p:cTn id="1" dur="indefinite" restart="never" nodeType="tmRoot"/>
+      </p:par>
+    </p:tnLst>
+  </p:timing>
 </p:sldLayout>
 </file>
 
@@ -2628,7 +2698,7 @@
     </p:spTree>
     <p:extLst>
       <p:ext uri="{BB962C8B-B14F-4D97-AF65-F5344CB8AC3E}">
-        <p14:creationId xmlns:p14="http://schemas.microsoft.com/office/powerpoint/2010/main" val="1782027597"/>
+        <p14:creationId xmlns:p14="http://schemas.microsoft.com/office/powerpoint/2010/main" val="1281832098"/>
       </p:ext>
     </p:extLst>
   </p:cSld>
@@ -2647,6 +2717,13 @@
       </p:transition>
     </mc:Fallback>
   </mc:AlternateContent>
+  <p:timing>
+    <p:tnLst>
+      <p:par>
+        <p:cTn id="1" dur="indefinite" restart="never" nodeType="tmRoot"/>
+      </p:par>
+    </p:tnLst>
+  </p:timing>
 </p:sldLayout>
 </file>
 
@@ -2889,23 +2966,23 @@
     </p:spTree>
     <p:extLst>
       <p:ext uri="{BB962C8B-B14F-4D97-AF65-F5344CB8AC3E}">
-        <p14:creationId xmlns:p14="http://schemas.microsoft.com/office/powerpoint/2010/main" val="1061549784"/>
+        <p14:creationId xmlns:p14="http://schemas.microsoft.com/office/powerpoint/2010/main" val="4250187692"/>
       </p:ext>
     </p:extLst>
   </p:cSld>
   <p:clrMap bg1="lt1" tx1="dk1" bg2="lt2" tx2="dk2" accent1="accent1" accent2="accent2" accent3="accent3" accent4="accent4" accent5="accent5" accent6="accent6" hlink="hlink" folHlink="folHlink"/>
   <p:sldLayoutIdLst>
-    <p:sldLayoutId id="2147483649" r:id="rId1"/>
-    <p:sldLayoutId id="2147483650" r:id="rId2"/>
-    <p:sldLayoutId id="2147483651" r:id="rId3"/>
-    <p:sldLayoutId id="2147483652" r:id="rId4"/>
-    <p:sldLayoutId id="2147483653" r:id="rId5"/>
-    <p:sldLayoutId id="2147483654" r:id="rId6"/>
-    <p:sldLayoutId id="2147483655" r:id="rId7"/>
-    <p:sldLayoutId id="2147483656" r:id="rId8"/>
-    <p:sldLayoutId id="2147483657" r:id="rId9"/>
-    <p:sldLayoutId id="2147483658" r:id="rId10"/>
-    <p:sldLayoutId id="2147483659" r:id="rId11"/>
+    <p:sldLayoutId id="2147483809" r:id="rId1"/>
+    <p:sldLayoutId id="2147483810" r:id="rId2"/>
+    <p:sldLayoutId id="2147483811" r:id="rId3"/>
+    <p:sldLayoutId id="2147483812" r:id="rId4"/>
+    <p:sldLayoutId id="2147483813" r:id="rId5"/>
+    <p:sldLayoutId id="2147483814" r:id="rId6"/>
+    <p:sldLayoutId id="2147483815" r:id="rId7"/>
+    <p:sldLayoutId id="2147483816" r:id="rId8"/>
+    <p:sldLayoutId id="2147483817" r:id="rId9"/>
+    <p:sldLayoutId id="2147483818" r:id="rId10"/>
+    <p:sldLayoutId id="2147483819" r:id="rId11"/>
   </p:sldLayoutIdLst>
   <mc:AlternateContent xmlns:mc="http://schemas.openxmlformats.org/markup-compatibility/2006" xmlns:p14="http://schemas.microsoft.com/office/powerpoint/2010/main">
     <mc:Choice Requires="p14">
@@ -2919,6 +2996,13 @@
       </p:transition>
     </mc:Fallback>
   </mc:AlternateContent>
+  <p:timing>
+    <p:tnLst>
+      <p:par>
+        <p:cTn id="1" dur="indefinite" restart="never" nodeType="tmRoot"/>
+      </p:par>
+    </p:tnLst>
+  </p:timing>
   <p:txStyles>
     <p:titleStyle>
       <a:lvl1pPr algn="l" defTabSz="914400" rtl="0" eaLnBrk="1" latinLnBrk="0" hangingPunct="1">
@@ -3231,7 +3315,9 @@
         </p:nvSpPr>
         <p:spPr/>
         <p:txBody>
-          <a:bodyPr/>
+          <a:bodyPr>
+            <a:normAutofit/>
+          </a:bodyPr>
           <a:lstStyle/>
           <a:p>
             <a:r>
@@ -4484,11 +4570,19 @@
               <a:buNone/>
             </a:pPr>
             <a:r>
-              <a:rPr lang="en-US" dirty="0" err="1" smtClean="0"/>
-              <a:t>Twitter:</a:t>
-            </a:r>
-            <a:r>
-              <a:rPr lang="en-US" dirty="0" err="1">
+              <a:rPr lang="en-US" dirty="0" smtClean="0"/>
+              <a:t>Twitter</a:t>
+            </a:r>
+            <a:r>
+              <a:rPr lang="en-US" dirty="0" smtClean="0"/>
+              <a:t>:</a:t>
+            </a:r>
+            <a:r>
+              <a:rPr lang="ru-RU" dirty="0" smtClean="0"/>
+              <a:t> </a:t>
+            </a:r>
+            <a:r>
+              <a:rPr lang="en-US" dirty="0" smtClean="0">
                 <a:hlinkClick r:id="rId2"/>
               </a:rPr>
               <a:t>https</a:t>
@@ -4512,11 +4606,19 @@
               <a:buNone/>
             </a:pPr>
             <a:r>
-              <a:rPr lang="en-US" dirty="0" err="1" smtClean="0"/>
-              <a:t>GitHub:</a:t>
-            </a:r>
-            <a:r>
-              <a:rPr lang="en-US" dirty="0" err="1">
+              <a:rPr lang="en-US" dirty="0" smtClean="0"/>
+              <a:t>GitHub</a:t>
+            </a:r>
+            <a:r>
+              <a:rPr lang="en-US" dirty="0" smtClean="0"/>
+              <a:t>:</a:t>
+            </a:r>
+            <a:r>
+              <a:rPr lang="ru-RU" dirty="0" smtClean="0"/>
+              <a:t> </a:t>
+            </a:r>
+            <a:r>
+              <a:rPr lang="en-US" dirty="0" smtClean="0">
                 <a:hlinkClick r:id="rId3"/>
               </a:rPr>
               <a:t>https</a:t>
@@ -4541,13 +4643,13 @@
   <p:clrMapOvr>
     <a:masterClrMapping/>
   </p:clrMapOvr>
-  <mc:AlternateContent xmlns:mc="http://schemas.openxmlformats.org/markup-compatibility/2006" xmlns:p15="http://schemas.microsoft.com/office/powerpoint/2012/main">
-    <mc:Choice Requires="p15">
+  <mc:AlternateContent xmlns:mc="http://schemas.openxmlformats.org/markup-compatibility/2006">
+    <mc:Choice xmlns:p15="http://schemas.microsoft.com/office/powerpoint/2012/main" Requires="p15">
       <p:transition xmlns:p14="http://schemas.microsoft.com/office/powerpoint/2010/main" spd="slow" p14:dur="2000">
-        <p15:prstTrans prst="fracture"/>
+        <p15:prstTrans prst="crush"/>
       </p:transition>
     </mc:Choice>
-    <mc:Fallback xmlns="">
+    <mc:Fallback>
       <p:transition spd="slow">
         <p:fade/>
       </p:transition>
@@ -4574,14 +4676,34 @@
                             </p:stCondLst>
                             <p:childTnLst>
                               <p:par>
-                                <p:cTn id="5" presetID="42" presetClass="path" presetSubtype="0" accel="50000" decel="50000" fill="hold" grpId="0" nodeType="clickEffect">
+                                <p:cTn id="5" presetID="26" presetClass="exit" presetSubtype="0" fill="hold" grpId="0" nodeType="clickEffect">
                                   <p:stCondLst>
                                     <p:cond delay="0"/>
                                   </p:stCondLst>
                                   <p:childTnLst>
-                                    <p:animMotion origin="layout" path="M -2.08333E-6 4.07407E-6 L -2.08333E-6 0.25 " pathEditMode="relative" rAng="0" ptsTypes="AA">
+                                    <p:animEffect transition="out" filter="wipe(down)">
                                       <p:cBhvr>
-                                        <p:cTn id="6" dur="2000" fill="hold"/>
+                                        <p:cTn id="6" dur="180" accel="50000">
+                                          <p:stCondLst>
+                                            <p:cond delay="1820"/>
+                                          </p:stCondLst>
+                                        </p:cTn>
+                                        <p:tgtEl>
+                                          <p:spTgt spid="3">
+                                            <p:txEl>
+                                              <p:pRg st="0" end="0"/>
+                                            </p:txEl>
+                                          </p:spTgt>
+                                        </p:tgtEl>
+                                      </p:cBhvr>
+                                    </p:animEffect>
+                                    <p:anim calcmode="lin" valueType="num">
+                                      <p:cBhvr>
+                                        <p:cTn id="7" dur="1822" tmFilter="0,0; 0.14,0.31; 0.43,0.73; 0.71,0.91; 1.0,1.0">
+                                          <p:stCondLst>
+                                            <p:cond delay="0"/>
+                                          </p:stCondLst>
+                                        </p:cTn>
                                         <p:tgtEl>
                                           <p:spTgt spid="3">
                                             <p:txEl>
@@ -4591,11 +4713,555 @@
                                         </p:tgtEl>
                                         <p:attrNameLst>
                                           <p:attrName>ppt_x</p:attrName>
+                                        </p:attrNameLst>
+                                      </p:cBhvr>
+                                      <p:tavLst>
+                                        <p:tav tm="0">
+                                          <p:val>
+                                            <p:strVal val="ppt_x"/>
+                                          </p:val>
+                                        </p:tav>
+                                        <p:tav tm="100000">
+                                          <p:val>
+                                            <p:strVal val="#ppt_x+0.25"/>
+                                          </p:val>
+                                        </p:tav>
+                                      </p:tavLst>
+                                    </p:anim>
+                                    <p:anim calcmode="lin" valueType="num">
+                                      <p:cBhvr>
+                                        <p:cTn id="8" dur="178">
+                                          <p:stCondLst>
+                                            <p:cond delay="1822"/>
+                                          </p:stCondLst>
+                                        </p:cTn>
+                                        <p:tgtEl>
+                                          <p:spTgt spid="3">
+                                            <p:txEl>
+                                              <p:pRg st="0" end="0"/>
+                                            </p:txEl>
+                                          </p:spTgt>
+                                        </p:tgtEl>
+                                        <p:attrNameLst>
+                                          <p:attrName>ppt_x</p:attrName>
+                                        </p:attrNameLst>
+                                      </p:cBhvr>
+                                      <p:tavLst>
+                                        <p:tav tm="0">
+                                          <p:val>
+                                            <p:strVal val="ppt_x"/>
+                                          </p:val>
+                                        </p:tav>
+                                        <p:tav tm="100000">
+                                          <p:val>
+                                            <p:strVal val="ppt_x"/>
+                                          </p:val>
+                                        </p:tav>
+                                      </p:tavLst>
+                                    </p:anim>
+                                    <p:anim calcmode="lin" valueType="num">
+                                      <p:cBhvr>
+                                        <p:cTn id="9" dur="664" tmFilter="0.0,0.0;0.25,0.07;0.50,0.2;0.75,0.467;1.0,1.0">
+                                          <p:stCondLst>
+                                            <p:cond delay="0"/>
+                                          </p:stCondLst>
+                                        </p:cTn>
+                                        <p:tgtEl>
+                                          <p:spTgt spid="3">
+                                            <p:txEl>
+                                              <p:pRg st="0" end="0"/>
+                                            </p:txEl>
+                                          </p:spTgt>
+                                        </p:tgtEl>
+                                        <p:attrNameLst>
                                           <p:attrName>ppt_y</p:attrName>
                                         </p:attrNameLst>
                                       </p:cBhvr>
-                                      <p:rCtr x="0" y="12500"/>
-                                    </p:animMotion>
+                                      <p:tavLst>
+                                        <p:tav tm="0">
+                                          <p:val>
+                                            <p:strVal val="ppt_y"/>
+                                          </p:val>
+                                        </p:tav>
+                                        <p:tav tm="5000">
+                                          <p:val>
+                                            <p:strVal val="ppt_y+0.026"/>
+                                          </p:val>
+                                        </p:tav>
+                                        <p:tav tm="10000">
+                                          <p:val>
+                                            <p:strVal val="ppt_y+0.052"/>
+                                          </p:val>
+                                        </p:tav>
+                                        <p:tav tm="15000">
+                                          <p:val>
+                                            <p:strVal val="ppt_y+0.078"/>
+                                          </p:val>
+                                        </p:tav>
+                                        <p:tav tm="20000">
+                                          <p:val>
+                                            <p:strVal val="ppt_y+0.103"/>
+                                          </p:val>
+                                        </p:tav>
+                                        <p:tav tm="30000">
+                                          <p:val>
+                                            <p:strVal val="ppt_y+0.151"/>
+                                          </p:val>
+                                        </p:tav>
+                                        <p:tav tm="40000">
+                                          <p:val>
+                                            <p:strVal val="ppt_y+0.196"/>
+                                          </p:val>
+                                        </p:tav>
+                                        <p:tav tm="50000">
+                                          <p:val>
+                                            <p:strVal val="ppt_y+0.236"/>
+                                          </p:val>
+                                        </p:tav>
+                                        <p:tav tm="60000">
+                                          <p:val>
+                                            <p:strVal val="ppt_y+0.270"/>
+                                          </p:val>
+                                        </p:tav>
+                                        <p:tav tm="70000">
+                                          <p:val>
+                                            <p:strVal val="ppt_y+0.297"/>
+                                          </p:val>
+                                        </p:tav>
+                                        <p:tav tm="80000">
+                                          <p:val>
+                                            <p:strVal val="ppt_y+0.317"/>
+                                          </p:val>
+                                        </p:tav>
+                                        <p:tav tm="90000">
+                                          <p:val>
+                                            <p:strVal val="ppt_y+0.329"/>
+                                          </p:val>
+                                        </p:tav>
+                                        <p:tav tm="100000">
+                                          <p:val>
+                                            <p:strVal val="ppt_y+0.333"/>
+                                          </p:val>
+                                        </p:tav>
+                                      </p:tavLst>
+                                    </p:anim>
+                                    <p:anim calcmode="lin" valueType="num">
+                                      <p:cBhvr>
+                                        <p:cTn id="10" dur="664" tmFilter="0, 0; 0.125,0.2665; 0.25,0.4; 0.375,0.465; 0.5,0.5;  0.625,0.535; 0.75,0.6; 0.875,0.7335; 1,1">
+                                          <p:stCondLst>
+                                            <p:cond delay="664"/>
+                                          </p:stCondLst>
+                                        </p:cTn>
+                                        <p:tgtEl>
+                                          <p:spTgt spid="3">
+                                            <p:txEl>
+                                              <p:pRg st="0" end="0"/>
+                                            </p:txEl>
+                                          </p:spTgt>
+                                        </p:tgtEl>
+                                        <p:attrNameLst>
+                                          <p:attrName>ppt_y</p:attrName>
+                                        </p:attrNameLst>
+                                      </p:cBhvr>
+                                      <p:tavLst>
+                                        <p:tav tm="0">
+                                          <p:val>
+                                            <p:strVal val="ppt_y"/>
+                                          </p:val>
+                                        </p:tav>
+                                        <p:tav tm="10000">
+                                          <p:val>
+                                            <p:strVal val="ppt_y-0.034"/>
+                                          </p:val>
+                                        </p:tav>
+                                        <p:tav tm="20000">
+                                          <p:val>
+                                            <p:strVal val="ppt_y-0.065"/>
+                                          </p:val>
+                                        </p:tav>
+                                        <p:tav tm="30000">
+                                          <p:val>
+                                            <p:strVal val="ppt_y-0.090"/>
+                                          </p:val>
+                                        </p:tav>
+                                        <p:tav tm="40000">
+                                          <p:val>
+                                            <p:strVal val="ppt_y-0.106"/>
+                                          </p:val>
+                                        </p:tav>
+                                        <p:tav tm="50000">
+                                          <p:val>
+                                            <p:strVal val="ppt_y-0.111"/>
+                                          </p:val>
+                                        </p:tav>
+                                        <p:tav tm="60000">
+                                          <p:val>
+                                            <p:strVal val="ppt_y-0.106"/>
+                                          </p:val>
+                                        </p:tav>
+                                        <p:tav tm="70000">
+                                          <p:val>
+                                            <p:strVal val="ppt_y-0.090"/>
+                                          </p:val>
+                                        </p:tav>
+                                        <p:tav tm="80000">
+                                          <p:val>
+                                            <p:strVal val="ppt_y-0.065"/>
+                                          </p:val>
+                                        </p:tav>
+                                        <p:tav tm="90000">
+                                          <p:val>
+                                            <p:strVal val="ppt_y-0.034"/>
+                                          </p:val>
+                                        </p:tav>
+                                        <p:tav tm="100000">
+                                          <p:val>
+                                            <p:strVal val="ppt_y"/>
+                                          </p:val>
+                                        </p:tav>
+                                      </p:tavLst>
+                                    </p:anim>
+                                    <p:anim calcmode="lin" valueType="num">
+                                      <p:cBhvr>
+                                        <p:cTn id="11" dur="332" tmFilter="0, 0; 0.125,0.2665; 0.25,0.4; 0.375,0.465; 0.5,0.5;  0.625,0.535; 0.75,0.6; 0.875,0.7335; 1,1">
+                                          <p:stCondLst>
+                                            <p:cond delay="1324"/>
+                                          </p:stCondLst>
+                                        </p:cTn>
+                                        <p:tgtEl>
+                                          <p:spTgt spid="3">
+                                            <p:txEl>
+                                              <p:pRg st="0" end="0"/>
+                                            </p:txEl>
+                                          </p:spTgt>
+                                        </p:tgtEl>
+                                        <p:attrNameLst>
+                                          <p:attrName>ppt_y</p:attrName>
+                                        </p:attrNameLst>
+                                      </p:cBhvr>
+                                      <p:tavLst>
+                                        <p:tav tm="0">
+                                          <p:val>
+                                            <p:strVal val="ppt_y"/>
+                                          </p:val>
+                                        </p:tav>
+                                        <p:tav tm="10000">
+                                          <p:val>
+                                            <p:strVal val="ppt_y-0.011"/>
+                                          </p:val>
+                                        </p:tav>
+                                        <p:tav tm="20000">
+                                          <p:val>
+                                            <p:strVal val="ppt_y-0.022"/>
+                                          </p:val>
+                                        </p:tav>
+                                        <p:tav tm="30000">
+                                          <p:val>
+                                            <p:strVal val="ppt_y-0.030"/>
+                                          </p:val>
+                                        </p:tav>
+                                        <p:tav tm="40000">
+                                          <p:val>
+                                            <p:strVal val="ppt_y-0.035"/>
+                                          </p:val>
+                                        </p:tav>
+                                        <p:tav tm="50000">
+                                          <p:val>
+                                            <p:strVal val="ppt_y-0.037"/>
+                                          </p:val>
+                                        </p:tav>
+                                        <p:tav tm="60000">
+                                          <p:val>
+                                            <p:strVal val="ppt_y-0.035"/>
+                                          </p:val>
+                                        </p:tav>
+                                        <p:tav tm="70000">
+                                          <p:val>
+                                            <p:strVal val="ppt_y-0.030"/>
+                                          </p:val>
+                                        </p:tav>
+                                        <p:tav tm="80000">
+                                          <p:val>
+                                            <p:strVal val="ppt_y-0.022"/>
+                                          </p:val>
+                                        </p:tav>
+                                        <p:tav tm="90000">
+                                          <p:val>
+                                            <p:strVal val="ppt_y-0.011"/>
+                                          </p:val>
+                                        </p:tav>
+                                        <p:tav tm="100000">
+                                          <p:val>
+                                            <p:strVal val="ppt_y"/>
+                                          </p:val>
+                                        </p:tav>
+                                      </p:tavLst>
+                                    </p:anim>
+                                    <p:anim calcmode="lin" valueType="num">
+                                      <p:cBhvr>
+                                        <p:cTn id="12" dur="164" tmFilter="0, 0; 0.125,0.2665; 0.25,0.4; 0.375,0.465; 0.5,0.5;  0.625,0.535; 0.75,0.6; 0.875,0.7335; 1,1">
+                                          <p:stCondLst>
+                                            <p:cond delay="1656"/>
+                                          </p:stCondLst>
+                                        </p:cTn>
+                                        <p:tgtEl>
+                                          <p:spTgt spid="3">
+                                            <p:txEl>
+                                              <p:pRg st="0" end="0"/>
+                                            </p:txEl>
+                                          </p:spTgt>
+                                        </p:tgtEl>
+                                        <p:attrNameLst>
+                                          <p:attrName>ppt_y</p:attrName>
+                                        </p:attrNameLst>
+                                      </p:cBhvr>
+                                      <p:tavLst>
+                                        <p:tav tm="0">
+                                          <p:val>
+                                            <p:strVal val="ppt_y"/>
+                                          </p:val>
+                                        </p:tav>
+                                        <p:tav tm="10000">
+                                          <p:val>
+                                            <p:strVal val="ppt_y-0.004"/>
+                                          </p:val>
+                                        </p:tav>
+                                        <p:tav tm="20000">
+                                          <p:val>
+                                            <p:strVal val="ppt_y-0.007"/>
+                                          </p:val>
+                                        </p:tav>
+                                        <p:tav tm="30000">
+                                          <p:val>
+                                            <p:strVal val="ppt_y-0.010"/>
+                                          </p:val>
+                                        </p:tav>
+                                        <p:tav tm="40000">
+                                          <p:val>
+                                            <p:strVal val="ppt_y-0.012"/>
+                                          </p:val>
+                                        </p:tav>
+                                        <p:tav tm="50000">
+                                          <p:val>
+                                            <p:strVal val="ppt_y-0.0123"/>
+                                          </p:val>
+                                        </p:tav>
+                                        <p:tav tm="60000">
+                                          <p:val>
+                                            <p:strVal val="ppt_y-0.012"/>
+                                          </p:val>
+                                        </p:tav>
+                                        <p:tav tm="70000">
+                                          <p:val>
+                                            <p:strVal val="ppt_y-0.010"/>
+                                          </p:val>
+                                        </p:tav>
+                                        <p:tav tm="80000">
+                                          <p:val>
+                                            <p:strVal val="ppt_y-0.007"/>
+                                          </p:val>
+                                        </p:tav>
+                                        <p:tav tm="90000">
+                                          <p:val>
+                                            <p:strVal val="ppt_y-0.004"/>
+                                          </p:val>
+                                        </p:tav>
+                                        <p:tav tm="100000">
+                                          <p:val>
+                                            <p:strVal val="ppt_y"/>
+                                          </p:val>
+                                        </p:tav>
+                                      </p:tavLst>
+                                    </p:anim>
+                                    <p:anim calcmode="lin" valueType="num">
+                                      <p:cBhvr>
+                                        <p:cTn id="13" dur="180" accel="50000">
+                                          <p:stCondLst>
+                                            <p:cond delay="1820"/>
+                                          </p:stCondLst>
+                                        </p:cTn>
+                                        <p:tgtEl>
+                                          <p:spTgt spid="3">
+                                            <p:txEl>
+                                              <p:pRg st="0" end="0"/>
+                                            </p:txEl>
+                                          </p:spTgt>
+                                        </p:tgtEl>
+                                        <p:attrNameLst>
+                                          <p:attrName>ppt_y</p:attrName>
+                                        </p:attrNameLst>
+                                      </p:cBhvr>
+                                      <p:tavLst>
+                                        <p:tav tm="0">
+                                          <p:val>
+                                            <p:strVal val="ppt_y"/>
+                                          </p:val>
+                                        </p:tav>
+                                        <p:tav tm="100000">
+                                          <p:val>
+                                            <p:strVal val="ppt_y+ppt_h"/>
+                                          </p:val>
+                                        </p:tav>
+                                      </p:tavLst>
+                                    </p:anim>
+                                    <p:animScale>
+                                      <p:cBhvr>
+                                        <p:cTn id="14" dur="26">
+                                          <p:stCondLst>
+                                            <p:cond delay="620"/>
+                                          </p:stCondLst>
+                                        </p:cTn>
+                                        <p:tgtEl>
+                                          <p:spTgt spid="3">
+                                            <p:txEl>
+                                              <p:pRg st="0" end="0"/>
+                                            </p:txEl>
+                                          </p:spTgt>
+                                        </p:tgtEl>
+                                      </p:cBhvr>
+                                      <p:to x="100000" y="60000"/>
+                                    </p:animScale>
+                                    <p:animScale>
+                                      <p:cBhvr>
+                                        <p:cTn id="15" dur="166" decel="50000">
+                                          <p:stCondLst>
+                                            <p:cond delay="646"/>
+                                          </p:stCondLst>
+                                        </p:cTn>
+                                        <p:tgtEl>
+                                          <p:spTgt spid="3">
+                                            <p:txEl>
+                                              <p:pRg st="0" end="0"/>
+                                            </p:txEl>
+                                          </p:spTgt>
+                                        </p:tgtEl>
+                                      </p:cBhvr>
+                                      <p:to x="100000" y="100000"/>
+                                    </p:animScale>
+                                    <p:animScale>
+                                      <p:cBhvr>
+                                        <p:cTn id="16" dur="26">
+                                          <p:stCondLst>
+                                            <p:cond delay="1312"/>
+                                          </p:stCondLst>
+                                        </p:cTn>
+                                        <p:tgtEl>
+                                          <p:spTgt spid="3">
+                                            <p:txEl>
+                                              <p:pRg st="0" end="0"/>
+                                            </p:txEl>
+                                          </p:spTgt>
+                                        </p:tgtEl>
+                                      </p:cBhvr>
+                                      <p:to x="100000" y="80000"/>
+                                    </p:animScale>
+                                    <p:animScale>
+                                      <p:cBhvr>
+                                        <p:cTn id="17" dur="166" decel="50000">
+                                          <p:stCondLst>
+                                            <p:cond delay="1338"/>
+                                          </p:stCondLst>
+                                        </p:cTn>
+                                        <p:tgtEl>
+                                          <p:spTgt spid="3">
+                                            <p:txEl>
+                                              <p:pRg st="0" end="0"/>
+                                            </p:txEl>
+                                          </p:spTgt>
+                                        </p:tgtEl>
+                                      </p:cBhvr>
+                                      <p:to x="100000" y="100000"/>
+                                    </p:animScale>
+                                    <p:animScale>
+                                      <p:cBhvr>
+                                        <p:cTn id="18" dur="26">
+                                          <p:stCondLst>
+                                            <p:cond delay="1642"/>
+                                          </p:stCondLst>
+                                        </p:cTn>
+                                        <p:tgtEl>
+                                          <p:spTgt spid="3">
+                                            <p:txEl>
+                                              <p:pRg st="0" end="0"/>
+                                            </p:txEl>
+                                          </p:spTgt>
+                                        </p:tgtEl>
+                                      </p:cBhvr>
+                                      <p:to x="100000" y="90000"/>
+                                    </p:animScale>
+                                    <p:animScale>
+                                      <p:cBhvr>
+                                        <p:cTn id="19" dur="166" decel="50000">
+                                          <p:stCondLst>
+                                            <p:cond delay="1668"/>
+                                          </p:stCondLst>
+                                        </p:cTn>
+                                        <p:tgtEl>
+                                          <p:spTgt spid="3">
+                                            <p:txEl>
+                                              <p:pRg st="0" end="0"/>
+                                            </p:txEl>
+                                          </p:spTgt>
+                                        </p:tgtEl>
+                                      </p:cBhvr>
+                                      <p:to x="100000" y="100000"/>
+                                    </p:animScale>
+                                    <p:animScale>
+                                      <p:cBhvr>
+                                        <p:cTn id="20" dur="26">
+                                          <p:stCondLst>
+                                            <p:cond delay="1808"/>
+                                          </p:stCondLst>
+                                        </p:cTn>
+                                        <p:tgtEl>
+                                          <p:spTgt spid="3">
+                                            <p:txEl>
+                                              <p:pRg st="0" end="0"/>
+                                            </p:txEl>
+                                          </p:spTgt>
+                                        </p:tgtEl>
+                                      </p:cBhvr>
+                                      <p:to x="100000" y="95000"/>
+                                    </p:animScale>
+                                    <p:animScale>
+                                      <p:cBhvr>
+                                        <p:cTn id="21" dur="166" decel="50000">
+                                          <p:stCondLst>
+                                            <p:cond delay="1834"/>
+                                          </p:stCondLst>
+                                        </p:cTn>
+                                        <p:tgtEl>
+                                          <p:spTgt spid="3">
+                                            <p:txEl>
+                                              <p:pRg st="0" end="0"/>
+                                            </p:txEl>
+                                          </p:spTgt>
+                                        </p:tgtEl>
+                                      </p:cBhvr>
+                                      <p:to x="100000" y="100000"/>
+                                    </p:animScale>
+                                    <p:set>
+                                      <p:cBhvr>
+                                        <p:cTn id="22" dur="1" fill="hold">
+                                          <p:stCondLst>
+                                            <p:cond delay="1999"/>
+                                          </p:stCondLst>
+                                        </p:cTn>
+                                        <p:tgtEl>
+                                          <p:spTgt spid="3">
+                                            <p:txEl>
+                                              <p:pRg st="0" end="0"/>
+                                            </p:txEl>
+                                          </p:spTgt>
+                                        </p:tgtEl>
+                                        <p:attrNameLst>
+                                          <p:attrName>style.visibility</p:attrName>
+                                        </p:attrNameLst>
+                                      </p:cBhvr>
+                                      <p:to>
+                                        <p:strVal val="hidden"/>
+                                      </p:to>
+                                    </p:set>
                                   </p:childTnLst>
                                 </p:cTn>
                               </p:par>
@@ -4606,26 +5272,46 @@
                     </p:cTn>
                   </p:par>
                   <p:par>
-                    <p:cTn id="7" fill="hold">
+                    <p:cTn id="23" fill="hold">
                       <p:stCondLst>
                         <p:cond delay="indefinite"/>
                       </p:stCondLst>
                       <p:childTnLst>
                         <p:par>
-                          <p:cTn id="8" fill="hold">
+                          <p:cTn id="24" fill="hold">
                             <p:stCondLst>
                               <p:cond delay="0"/>
                             </p:stCondLst>
                             <p:childTnLst>
                               <p:par>
-                                <p:cTn id="9" presetID="42" presetClass="path" presetSubtype="0" accel="50000" decel="50000" fill="hold" grpId="0" nodeType="clickEffect">
+                                <p:cTn id="25" presetID="26" presetClass="exit" presetSubtype="0" fill="hold" grpId="0" nodeType="clickEffect">
                                   <p:stCondLst>
                                     <p:cond delay="0"/>
                                   </p:stCondLst>
                                   <p:childTnLst>
-                                    <p:animMotion origin="layout" path="M 3.125E-6 -3.7037E-6 L 3.125E-6 0.25 " pathEditMode="relative" rAng="0" ptsTypes="AA">
+                                    <p:animEffect transition="out" filter="wipe(down)">
                                       <p:cBhvr>
-                                        <p:cTn id="10" dur="2000" fill="hold"/>
+                                        <p:cTn id="26" dur="180" accel="50000">
+                                          <p:stCondLst>
+                                            <p:cond delay="1820"/>
+                                          </p:stCondLst>
+                                        </p:cTn>
+                                        <p:tgtEl>
+                                          <p:spTgt spid="3">
+                                            <p:txEl>
+                                              <p:pRg st="1" end="1"/>
+                                            </p:txEl>
+                                          </p:spTgt>
+                                        </p:tgtEl>
+                                      </p:cBhvr>
+                                    </p:animEffect>
+                                    <p:anim calcmode="lin" valueType="num">
+                                      <p:cBhvr>
+                                        <p:cTn id="27" dur="1822" tmFilter="0,0; 0.14,0.31; 0.43,0.73; 0.71,0.91; 1.0,1.0">
+                                          <p:stCondLst>
+                                            <p:cond delay="0"/>
+                                          </p:stCondLst>
+                                        </p:cTn>
                                         <p:tgtEl>
                                           <p:spTgt spid="3">
                                             <p:txEl>
@@ -4635,11 +5321,555 @@
                                         </p:tgtEl>
                                         <p:attrNameLst>
                                           <p:attrName>ppt_x</p:attrName>
+                                        </p:attrNameLst>
+                                      </p:cBhvr>
+                                      <p:tavLst>
+                                        <p:tav tm="0">
+                                          <p:val>
+                                            <p:strVal val="ppt_x"/>
+                                          </p:val>
+                                        </p:tav>
+                                        <p:tav tm="100000">
+                                          <p:val>
+                                            <p:strVal val="#ppt_x+0.25"/>
+                                          </p:val>
+                                        </p:tav>
+                                      </p:tavLst>
+                                    </p:anim>
+                                    <p:anim calcmode="lin" valueType="num">
+                                      <p:cBhvr>
+                                        <p:cTn id="28" dur="178">
+                                          <p:stCondLst>
+                                            <p:cond delay="1822"/>
+                                          </p:stCondLst>
+                                        </p:cTn>
+                                        <p:tgtEl>
+                                          <p:spTgt spid="3">
+                                            <p:txEl>
+                                              <p:pRg st="1" end="1"/>
+                                            </p:txEl>
+                                          </p:spTgt>
+                                        </p:tgtEl>
+                                        <p:attrNameLst>
+                                          <p:attrName>ppt_x</p:attrName>
+                                        </p:attrNameLst>
+                                      </p:cBhvr>
+                                      <p:tavLst>
+                                        <p:tav tm="0">
+                                          <p:val>
+                                            <p:strVal val="ppt_x"/>
+                                          </p:val>
+                                        </p:tav>
+                                        <p:tav tm="100000">
+                                          <p:val>
+                                            <p:strVal val="ppt_x"/>
+                                          </p:val>
+                                        </p:tav>
+                                      </p:tavLst>
+                                    </p:anim>
+                                    <p:anim calcmode="lin" valueType="num">
+                                      <p:cBhvr>
+                                        <p:cTn id="29" dur="664" tmFilter="0.0,0.0;0.25,0.07;0.50,0.2;0.75,0.467;1.0,1.0">
+                                          <p:stCondLst>
+                                            <p:cond delay="0"/>
+                                          </p:stCondLst>
+                                        </p:cTn>
+                                        <p:tgtEl>
+                                          <p:spTgt spid="3">
+                                            <p:txEl>
+                                              <p:pRg st="1" end="1"/>
+                                            </p:txEl>
+                                          </p:spTgt>
+                                        </p:tgtEl>
+                                        <p:attrNameLst>
                                           <p:attrName>ppt_y</p:attrName>
                                         </p:attrNameLst>
                                       </p:cBhvr>
-                                      <p:rCtr x="0" y="12500"/>
-                                    </p:animMotion>
+                                      <p:tavLst>
+                                        <p:tav tm="0">
+                                          <p:val>
+                                            <p:strVal val="ppt_y"/>
+                                          </p:val>
+                                        </p:tav>
+                                        <p:tav tm="5000">
+                                          <p:val>
+                                            <p:strVal val="ppt_y+0.026"/>
+                                          </p:val>
+                                        </p:tav>
+                                        <p:tav tm="10000">
+                                          <p:val>
+                                            <p:strVal val="ppt_y+0.052"/>
+                                          </p:val>
+                                        </p:tav>
+                                        <p:tav tm="15000">
+                                          <p:val>
+                                            <p:strVal val="ppt_y+0.078"/>
+                                          </p:val>
+                                        </p:tav>
+                                        <p:tav tm="20000">
+                                          <p:val>
+                                            <p:strVal val="ppt_y+0.103"/>
+                                          </p:val>
+                                        </p:tav>
+                                        <p:tav tm="30000">
+                                          <p:val>
+                                            <p:strVal val="ppt_y+0.151"/>
+                                          </p:val>
+                                        </p:tav>
+                                        <p:tav tm="40000">
+                                          <p:val>
+                                            <p:strVal val="ppt_y+0.196"/>
+                                          </p:val>
+                                        </p:tav>
+                                        <p:tav tm="50000">
+                                          <p:val>
+                                            <p:strVal val="ppt_y+0.236"/>
+                                          </p:val>
+                                        </p:tav>
+                                        <p:tav tm="60000">
+                                          <p:val>
+                                            <p:strVal val="ppt_y+0.270"/>
+                                          </p:val>
+                                        </p:tav>
+                                        <p:tav tm="70000">
+                                          <p:val>
+                                            <p:strVal val="ppt_y+0.297"/>
+                                          </p:val>
+                                        </p:tav>
+                                        <p:tav tm="80000">
+                                          <p:val>
+                                            <p:strVal val="ppt_y+0.317"/>
+                                          </p:val>
+                                        </p:tav>
+                                        <p:tav tm="90000">
+                                          <p:val>
+                                            <p:strVal val="ppt_y+0.329"/>
+                                          </p:val>
+                                        </p:tav>
+                                        <p:tav tm="100000">
+                                          <p:val>
+                                            <p:strVal val="ppt_y+0.333"/>
+                                          </p:val>
+                                        </p:tav>
+                                      </p:tavLst>
+                                    </p:anim>
+                                    <p:anim calcmode="lin" valueType="num">
+                                      <p:cBhvr>
+                                        <p:cTn id="30" dur="664" tmFilter="0, 0; 0.125,0.2665; 0.25,0.4; 0.375,0.465; 0.5,0.5;  0.625,0.535; 0.75,0.6; 0.875,0.7335; 1,1">
+                                          <p:stCondLst>
+                                            <p:cond delay="664"/>
+                                          </p:stCondLst>
+                                        </p:cTn>
+                                        <p:tgtEl>
+                                          <p:spTgt spid="3">
+                                            <p:txEl>
+                                              <p:pRg st="1" end="1"/>
+                                            </p:txEl>
+                                          </p:spTgt>
+                                        </p:tgtEl>
+                                        <p:attrNameLst>
+                                          <p:attrName>ppt_y</p:attrName>
+                                        </p:attrNameLst>
+                                      </p:cBhvr>
+                                      <p:tavLst>
+                                        <p:tav tm="0">
+                                          <p:val>
+                                            <p:strVal val="ppt_y"/>
+                                          </p:val>
+                                        </p:tav>
+                                        <p:tav tm="10000">
+                                          <p:val>
+                                            <p:strVal val="ppt_y-0.034"/>
+                                          </p:val>
+                                        </p:tav>
+                                        <p:tav tm="20000">
+                                          <p:val>
+                                            <p:strVal val="ppt_y-0.065"/>
+                                          </p:val>
+                                        </p:tav>
+                                        <p:tav tm="30000">
+                                          <p:val>
+                                            <p:strVal val="ppt_y-0.090"/>
+                                          </p:val>
+                                        </p:tav>
+                                        <p:tav tm="40000">
+                                          <p:val>
+                                            <p:strVal val="ppt_y-0.106"/>
+                                          </p:val>
+                                        </p:tav>
+                                        <p:tav tm="50000">
+                                          <p:val>
+                                            <p:strVal val="ppt_y-0.111"/>
+                                          </p:val>
+                                        </p:tav>
+                                        <p:tav tm="60000">
+                                          <p:val>
+                                            <p:strVal val="ppt_y-0.106"/>
+                                          </p:val>
+                                        </p:tav>
+                                        <p:tav tm="70000">
+                                          <p:val>
+                                            <p:strVal val="ppt_y-0.090"/>
+                                          </p:val>
+                                        </p:tav>
+                                        <p:tav tm="80000">
+                                          <p:val>
+                                            <p:strVal val="ppt_y-0.065"/>
+                                          </p:val>
+                                        </p:tav>
+                                        <p:tav tm="90000">
+                                          <p:val>
+                                            <p:strVal val="ppt_y-0.034"/>
+                                          </p:val>
+                                        </p:tav>
+                                        <p:tav tm="100000">
+                                          <p:val>
+                                            <p:strVal val="ppt_y"/>
+                                          </p:val>
+                                        </p:tav>
+                                      </p:tavLst>
+                                    </p:anim>
+                                    <p:anim calcmode="lin" valueType="num">
+                                      <p:cBhvr>
+                                        <p:cTn id="31" dur="332" tmFilter="0, 0; 0.125,0.2665; 0.25,0.4; 0.375,0.465; 0.5,0.5;  0.625,0.535; 0.75,0.6; 0.875,0.7335; 1,1">
+                                          <p:stCondLst>
+                                            <p:cond delay="1324"/>
+                                          </p:stCondLst>
+                                        </p:cTn>
+                                        <p:tgtEl>
+                                          <p:spTgt spid="3">
+                                            <p:txEl>
+                                              <p:pRg st="1" end="1"/>
+                                            </p:txEl>
+                                          </p:spTgt>
+                                        </p:tgtEl>
+                                        <p:attrNameLst>
+                                          <p:attrName>ppt_y</p:attrName>
+                                        </p:attrNameLst>
+                                      </p:cBhvr>
+                                      <p:tavLst>
+                                        <p:tav tm="0">
+                                          <p:val>
+                                            <p:strVal val="ppt_y"/>
+                                          </p:val>
+                                        </p:tav>
+                                        <p:tav tm="10000">
+                                          <p:val>
+                                            <p:strVal val="ppt_y-0.011"/>
+                                          </p:val>
+                                        </p:tav>
+                                        <p:tav tm="20000">
+                                          <p:val>
+                                            <p:strVal val="ppt_y-0.022"/>
+                                          </p:val>
+                                        </p:tav>
+                                        <p:tav tm="30000">
+                                          <p:val>
+                                            <p:strVal val="ppt_y-0.030"/>
+                                          </p:val>
+                                        </p:tav>
+                                        <p:tav tm="40000">
+                                          <p:val>
+                                            <p:strVal val="ppt_y-0.035"/>
+                                          </p:val>
+                                        </p:tav>
+                                        <p:tav tm="50000">
+                                          <p:val>
+                                            <p:strVal val="ppt_y-0.037"/>
+                                          </p:val>
+                                        </p:tav>
+                                        <p:tav tm="60000">
+                                          <p:val>
+                                            <p:strVal val="ppt_y-0.035"/>
+                                          </p:val>
+                                        </p:tav>
+                                        <p:tav tm="70000">
+                                          <p:val>
+                                            <p:strVal val="ppt_y-0.030"/>
+                                          </p:val>
+                                        </p:tav>
+                                        <p:tav tm="80000">
+                                          <p:val>
+                                            <p:strVal val="ppt_y-0.022"/>
+                                          </p:val>
+                                        </p:tav>
+                                        <p:tav tm="90000">
+                                          <p:val>
+                                            <p:strVal val="ppt_y-0.011"/>
+                                          </p:val>
+                                        </p:tav>
+                                        <p:tav tm="100000">
+                                          <p:val>
+                                            <p:strVal val="ppt_y"/>
+                                          </p:val>
+                                        </p:tav>
+                                      </p:tavLst>
+                                    </p:anim>
+                                    <p:anim calcmode="lin" valueType="num">
+                                      <p:cBhvr>
+                                        <p:cTn id="32" dur="164" tmFilter="0, 0; 0.125,0.2665; 0.25,0.4; 0.375,0.465; 0.5,0.5;  0.625,0.535; 0.75,0.6; 0.875,0.7335; 1,1">
+                                          <p:stCondLst>
+                                            <p:cond delay="1656"/>
+                                          </p:stCondLst>
+                                        </p:cTn>
+                                        <p:tgtEl>
+                                          <p:spTgt spid="3">
+                                            <p:txEl>
+                                              <p:pRg st="1" end="1"/>
+                                            </p:txEl>
+                                          </p:spTgt>
+                                        </p:tgtEl>
+                                        <p:attrNameLst>
+                                          <p:attrName>ppt_y</p:attrName>
+                                        </p:attrNameLst>
+                                      </p:cBhvr>
+                                      <p:tavLst>
+                                        <p:tav tm="0">
+                                          <p:val>
+                                            <p:strVal val="ppt_y"/>
+                                          </p:val>
+                                        </p:tav>
+                                        <p:tav tm="10000">
+                                          <p:val>
+                                            <p:strVal val="ppt_y-0.004"/>
+                                          </p:val>
+                                        </p:tav>
+                                        <p:tav tm="20000">
+                                          <p:val>
+                                            <p:strVal val="ppt_y-0.007"/>
+                                          </p:val>
+                                        </p:tav>
+                                        <p:tav tm="30000">
+                                          <p:val>
+                                            <p:strVal val="ppt_y-0.010"/>
+                                          </p:val>
+                                        </p:tav>
+                                        <p:tav tm="40000">
+                                          <p:val>
+                                            <p:strVal val="ppt_y-0.012"/>
+                                          </p:val>
+                                        </p:tav>
+                                        <p:tav tm="50000">
+                                          <p:val>
+                                            <p:strVal val="ppt_y-0.0123"/>
+                                          </p:val>
+                                        </p:tav>
+                                        <p:tav tm="60000">
+                                          <p:val>
+                                            <p:strVal val="ppt_y-0.012"/>
+                                          </p:val>
+                                        </p:tav>
+                                        <p:tav tm="70000">
+                                          <p:val>
+                                            <p:strVal val="ppt_y-0.010"/>
+                                          </p:val>
+                                        </p:tav>
+                                        <p:tav tm="80000">
+                                          <p:val>
+                                            <p:strVal val="ppt_y-0.007"/>
+                                          </p:val>
+                                        </p:tav>
+                                        <p:tav tm="90000">
+                                          <p:val>
+                                            <p:strVal val="ppt_y-0.004"/>
+                                          </p:val>
+                                        </p:tav>
+                                        <p:tav tm="100000">
+                                          <p:val>
+                                            <p:strVal val="ppt_y"/>
+                                          </p:val>
+                                        </p:tav>
+                                      </p:tavLst>
+                                    </p:anim>
+                                    <p:anim calcmode="lin" valueType="num">
+                                      <p:cBhvr>
+                                        <p:cTn id="33" dur="180" accel="50000">
+                                          <p:stCondLst>
+                                            <p:cond delay="1820"/>
+                                          </p:stCondLst>
+                                        </p:cTn>
+                                        <p:tgtEl>
+                                          <p:spTgt spid="3">
+                                            <p:txEl>
+                                              <p:pRg st="1" end="1"/>
+                                            </p:txEl>
+                                          </p:spTgt>
+                                        </p:tgtEl>
+                                        <p:attrNameLst>
+                                          <p:attrName>ppt_y</p:attrName>
+                                        </p:attrNameLst>
+                                      </p:cBhvr>
+                                      <p:tavLst>
+                                        <p:tav tm="0">
+                                          <p:val>
+                                            <p:strVal val="ppt_y"/>
+                                          </p:val>
+                                        </p:tav>
+                                        <p:tav tm="100000">
+                                          <p:val>
+                                            <p:strVal val="ppt_y+ppt_h"/>
+                                          </p:val>
+                                        </p:tav>
+                                      </p:tavLst>
+                                    </p:anim>
+                                    <p:animScale>
+                                      <p:cBhvr>
+                                        <p:cTn id="34" dur="26">
+                                          <p:stCondLst>
+                                            <p:cond delay="620"/>
+                                          </p:stCondLst>
+                                        </p:cTn>
+                                        <p:tgtEl>
+                                          <p:spTgt spid="3">
+                                            <p:txEl>
+                                              <p:pRg st="1" end="1"/>
+                                            </p:txEl>
+                                          </p:spTgt>
+                                        </p:tgtEl>
+                                      </p:cBhvr>
+                                      <p:to x="100000" y="60000"/>
+                                    </p:animScale>
+                                    <p:animScale>
+                                      <p:cBhvr>
+                                        <p:cTn id="35" dur="166" decel="50000">
+                                          <p:stCondLst>
+                                            <p:cond delay="646"/>
+                                          </p:stCondLst>
+                                        </p:cTn>
+                                        <p:tgtEl>
+                                          <p:spTgt spid="3">
+                                            <p:txEl>
+                                              <p:pRg st="1" end="1"/>
+                                            </p:txEl>
+                                          </p:spTgt>
+                                        </p:tgtEl>
+                                      </p:cBhvr>
+                                      <p:to x="100000" y="100000"/>
+                                    </p:animScale>
+                                    <p:animScale>
+                                      <p:cBhvr>
+                                        <p:cTn id="36" dur="26">
+                                          <p:stCondLst>
+                                            <p:cond delay="1312"/>
+                                          </p:stCondLst>
+                                        </p:cTn>
+                                        <p:tgtEl>
+                                          <p:spTgt spid="3">
+                                            <p:txEl>
+                                              <p:pRg st="1" end="1"/>
+                                            </p:txEl>
+                                          </p:spTgt>
+                                        </p:tgtEl>
+                                      </p:cBhvr>
+                                      <p:to x="100000" y="80000"/>
+                                    </p:animScale>
+                                    <p:animScale>
+                                      <p:cBhvr>
+                                        <p:cTn id="37" dur="166" decel="50000">
+                                          <p:stCondLst>
+                                            <p:cond delay="1338"/>
+                                          </p:stCondLst>
+                                        </p:cTn>
+                                        <p:tgtEl>
+                                          <p:spTgt spid="3">
+                                            <p:txEl>
+                                              <p:pRg st="1" end="1"/>
+                                            </p:txEl>
+                                          </p:spTgt>
+                                        </p:tgtEl>
+                                      </p:cBhvr>
+                                      <p:to x="100000" y="100000"/>
+                                    </p:animScale>
+                                    <p:animScale>
+                                      <p:cBhvr>
+                                        <p:cTn id="38" dur="26">
+                                          <p:stCondLst>
+                                            <p:cond delay="1642"/>
+                                          </p:stCondLst>
+                                        </p:cTn>
+                                        <p:tgtEl>
+                                          <p:spTgt spid="3">
+                                            <p:txEl>
+                                              <p:pRg st="1" end="1"/>
+                                            </p:txEl>
+                                          </p:spTgt>
+                                        </p:tgtEl>
+                                      </p:cBhvr>
+                                      <p:to x="100000" y="90000"/>
+                                    </p:animScale>
+                                    <p:animScale>
+                                      <p:cBhvr>
+                                        <p:cTn id="39" dur="166" decel="50000">
+                                          <p:stCondLst>
+                                            <p:cond delay="1668"/>
+                                          </p:stCondLst>
+                                        </p:cTn>
+                                        <p:tgtEl>
+                                          <p:spTgt spid="3">
+                                            <p:txEl>
+                                              <p:pRg st="1" end="1"/>
+                                            </p:txEl>
+                                          </p:spTgt>
+                                        </p:tgtEl>
+                                      </p:cBhvr>
+                                      <p:to x="100000" y="100000"/>
+                                    </p:animScale>
+                                    <p:animScale>
+                                      <p:cBhvr>
+                                        <p:cTn id="40" dur="26">
+                                          <p:stCondLst>
+                                            <p:cond delay="1808"/>
+                                          </p:stCondLst>
+                                        </p:cTn>
+                                        <p:tgtEl>
+                                          <p:spTgt spid="3">
+                                            <p:txEl>
+                                              <p:pRg st="1" end="1"/>
+                                            </p:txEl>
+                                          </p:spTgt>
+                                        </p:tgtEl>
+                                      </p:cBhvr>
+                                      <p:to x="100000" y="95000"/>
+                                    </p:animScale>
+                                    <p:animScale>
+                                      <p:cBhvr>
+                                        <p:cTn id="41" dur="166" decel="50000">
+                                          <p:stCondLst>
+                                            <p:cond delay="1834"/>
+                                          </p:stCondLst>
+                                        </p:cTn>
+                                        <p:tgtEl>
+                                          <p:spTgt spid="3">
+                                            <p:txEl>
+                                              <p:pRg st="1" end="1"/>
+                                            </p:txEl>
+                                          </p:spTgt>
+                                        </p:tgtEl>
+                                      </p:cBhvr>
+                                      <p:to x="100000" y="100000"/>
+                                    </p:animScale>
+                                    <p:set>
+                                      <p:cBhvr>
+                                        <p:cTn id="42" dur="1" fill="hold">
+                                          <p:stCondLst>
+                                            <p:cond delay="1999"/>
+                                          </p:stCondLst>
+                                        </p:cTn>
+                                        <p:tgtEl>
+                                          <p:spTgt spid="3">
+                                            <p:txEl>
+                                              <p:pRg st="1" end="1"/>
+                                            </p:txEl>
+                                          </p:spTgt>
+                                        </p:tgtEl>
+                                        <p:attrNameLst>
+                                          <p:attrName>style.visibility</p:attrName>
+                                        </p:attrNameLst>
+                                      </p:cBhvr>
+                                      <p:to>
+                                        <p:strVal val="hidden"/>
+                                      </p:to>
+                                    </p:set>
                                   </p:childTnLst>
                                 </p:cTn>
                               </p:par>
@@ -4650,26 +5880,46 @@
                     </p:cTn>
                   </p:par>
                   <p:par>
-                    <p:cTn id="11" fill="hold">
+                    <p:cTn id="43" fill="hold">
                       <p:stCondLst>
                         <p:cond delay="indefinite"/>
                       </p:stCondLst>
                       <p:childTnLst>
                         <p:par>
-                          <p:cTn id="12" fill="hold">
+                          <p:cTn id="44" fill="hold">
                             <p:stCondLst>
                               <p:cond delay="0"/>
                             </p:stCondLst>
                             <p:childTnLst>
                               <p:par>
-                                <p:cTn id="13" presetID="42" presetClass="path" presetSubtype="0" accel="50000" decel="50000" fill="hold" grpId="0" nodeType="clickEffect">
+                                <p:cTn id="45" presetID="26" presetClass="exit" presetSubtype="0" fill="hold" grpId="0" nodeType="clickEffect">
                                   <p:stCondLst>
                                     <p:cond delay="0"/>
                                   </p:stCondLst>
                                   <p:childTnLst>
-                                    <p:animMotion origin="layout" path="M -6.25E-7 -7.40741E-7 L -6.25E-7 0.25 " pathEditMode="relative" rAng="0" ptsTypes="AA">
+                                    <p:animEffect transition="out" filter="wipe(down)">
                                       <p:cBhvr>
-                                        <p:cTn id="14" dur="2000" fill="hold"/>
+                                        <p:cTn id="46" dur="180" accel="50000">
+                                          <p:stCondLst>
+                                            <p:cond delay="1820"/>
+                                          </p:stCondLst>
+                                        </p:cTn>
+                                        <p:tgtEl>
+                                          <p:spTgt spid="3">
+                                            <p:txEl>
+                                              <p:pRg st="2" end="2"/>
+                                            </p:txEl>
+                                          </p:spTgt>
+                                        </p:tgtEl>
+                                      </p:cBhvr>
+                                    </p:animEffect>
+                                    <p:anim calcmode="lin" valueType="num">
+                                      <p:cBhvr>
+                                        <p:cTn id="47" dur="1822" tmFilter="0,0; 0.14,0.31; 0.43,0.73; 0.71,0.91; 1.0,1.0">
+                                          <p:stCondLst>
+                                            <p:cond delay="0"/>
+                                          </p:stCondLst>
+                                        </p:cTn>
                                         <p:tgtEl>
                                           <p:spTgt spid="3">
                                             <p:txEl>
@@ -4679,11 +5929,555 @@
                                         </p:tgtEl>
                                         <p:attrNameLst>
                                           <p:attrName>ppt_x</p:attrName>
+                                        </p:attrNameLst>
+                                      </p:cBhvr>
+                                      <p:tavLst>
+                                        <p:tav tm="0">
+                                          <p:val>
+                                            <p:strVal val="ppt_x"/>
+                                          </p:val>
+                                        </p:tav>
+                                        <p:tav tm="100000">
+                                          <p:val>
+                                            <p:strVal val="#ppt_x+0.25"/>
+                                          </p:val>
+                                        </p:tav>
+                                      </p:tavLst>
+                                    </p:anim>
+                                    <p:anim calcmode="lin" valueType="num">
+                                      <p:cBhvr>
+                                        <p:cTn id="48" dur="178">
+                                          <p:stCondLst>
+                                            <p:cond delay="1822"/>
+                                          </p:stCondLst>
+                                        </p:cTn>
+                                        <p:tgtEl>
+                                          <p:spTgt spid="3">
+                                            <p:txEl>
+                                              <p:pRg st="2" end="2"/>
+                                            </p:txEl>
+                                          </p:spTgt>
+                                        </p:tgtEl>
+                                        <p:attrNameLst>
+                                          <p:attrName>ppt_x</p:attrName>
+                                        </p:attrNameLst>
+                                      </p:cBhvr>
+                                      <p:tavLst>
+                                        <p:tav tm="0">
+                                          <p:val>
+                                            <p:strVal val="ppt_x"/>
+                                          </p:val>
+                                        </p:tav>
+                                        <p:tav tm="100000">
+                                          <p:val>
+                                            <p:strVal val="ppt_x"/>
+                                          </p:val>
+                                        </p:tav>
+                                      </p:tavLst>
+                                    </p:anim>
+                                    <p:anim calcmode="lin" valueType="num">
+                                      <p:cBhvr>
+                                        <p:cTn id="49" dur="664" tmFilter="0.0,0.0;0.25,0.07;0.50,0.2;0.75,0.467;1.0,1.0">
+                                          <p:stCondLst>
+                                            <p:cond delay="0"/>
+                                          </p:stCondLst>
+                                        </p:cTn>
+                                        <p:tgtEl>
+                                          <p:spTgt spid="3">
+                                            <p:txEl>
+                                              <p:pRg st="2" end="2"/>
+                                            </p:txEl>
+                                          </p:spTgt>
+                                        </p:tgtEl>
+                                        <p:attrNameLst>
                                           <p:attrName>ppt_y</p:attrName>
                                         </p:attrNameLst>
                                       </p:cBhvr>
-                                      <p:rCtr x="0" y="12500"/>
-                                    </p:animMotion>
+                                      <p:tavLst>
+                                        <p:tav tm="0">
+                                          <p:val>
+                                            <p:strVal val="ppt_y"/>
+                                          </p:val>
+                                        </p:tav>
+                                        <p:tav tm="5000">
+                                          <p:val>
+                                            <p:strVal val="ppt_y+0.026"/>
+                                          </p:val>
+                                        </p:tav>
+                                        <p:tav tm="10000">
+                                          <p:val>
+                                            <p:strVal val="ppt_y+0.052"/>
+                                          </p:val>
+                                        </p:tav>
+                                        <p:tav tm="15000">
+                                          <p:val>
+                                            <p:strVal val="ppt_y+0.078"/>
+                                          </p:val>
+                                        </p:tav>
+                                        <p:tav tm="20000">
+                                          <p:val>
+                                            <p:strVal val="ppt_y+0.103"/>
+                                          </p:val>
+                                        </p:tav>
+                                        <p:tav tm="30000">
+                                          <p:val>
+                                            <p:strVal val="ppt_y+0.151"/>
+                                          </p:val>
+                                        </p:tav>
+                                        <p:tav tm="40000">
+                                          <p:val>
+                                            <p:strVal val="ppt_y+0.196"/>
+                                          </p:val>
+                                        </p:tav>
+                                        <p:tav tm="50000">
+                                          <p:val>
+                                            <p:strVal val="ppt_y+0.236"/>
+                                          </p:val>
+                                        </p:tav>
+                                        <p:tav tm="60000">
+                                          <p:val>
+                                            <p:strVal val="ppt_y+0.270"/>
+                                          </p:val>
+                                        </p:tav>
+                                        <p:tav tm="70000">
+                                          <p:val>
+                                            <p:strVal val="ppt_y+0.297"/>
+                                          </p:val>
+                                        </p:tav>
+                                        <p:tav tm="80000">
+                                          <p:val>
+                                            <p:strVal val="ppt_y+0.317"/>
+                                          </p:val>
+                                        </p:tav>
+                                        <p:tav tm="90000">
+                                          <p:val>
+                                            <p:strVal val="ppt_y+0.329"/>
+                                          </p:val>
+                                        </p:tav>
+                                        <p:tav tm="100000">
+                                          <p:val>
+                                            <p:strVal val="ppt_y+0.333"/>
+                                          </p:val>
+                                        </p:tav>
+                                      </p:tavLst>
+                                    </p:anim>
+                                    <p:anim calcmode="lin" valueType="num">
+                                      <p:cBhvr>
+                                        <p:cTn id="50" dur="664" tmFilter="0, 0; 0.125,0.2665; 0.25,0.4; 0.375,0.465; 0.5,0.5;  0.625,0.535; 0.75,0.6; 0.875,0.7335; 1,1">
+                                          <p:stCondLst>
+                                            <p:cond delay="664"/>
+                                          </p:stCondLst>
+                                        </p:cTn>
+                                        <p:tgtEl>
+                                          <p:spTgt spid="3">
+                                            <p:txEl>
+                                              <p:pRg st="2" end="2"/>
+                                            </p:txEl>
+                                          </p:spTgt>
+                                        </p:tgtEl>
+                                        <p:attrNameLst>
+                                          <p:attrName>ppt_y</p:attrName>
+                                        </p:attrNameLst>
+                                      </p:cBhvr>
+                                      <p:tavLst>
+                                        <p:tav tm="0">
+                                          <p:val>
+                                            <p:strVal val="ppt_y"/>
+                                          </p:val>
+                                        </p:tav>
+                                        <p:tav tm="10000">
+                                          <p:val>
+                                            <p:strVal val="ppt_y-0.034"/>
+                                          </p:val>
+                                        </p:tav>
+                                        <p:tav tm="20000">
+                                          <p:val>
+                                            <p:strVal val="ppt_y-0.065"/>
+                                          </p:val>
+                                        </p:tav>
+                                        <p:tav tm="30000">
+                                          <p:val>
+                                            <p:strVal val="ppt_y-0.090"/>
+                                          </p:val>
+                                        </p:tav>
+                                        <p:tav tm="40000">
+                                          <p:val>
+                                            <p:strVal val="ppt_y-0.106"/>
+                                          </p:val>
+                                        </p:tav>
+                                        <p:tav tm="50000">
+                                          <p:val>
+                                            <p:strVal val="ppt_y-0.111"/>
+                                          </p:val>
+                                        </p:tav>
+                                        <p:tav tm="60000">
+                                          <p:val>
+                                            <p:strVal val="ppt_y-0.106"/>
+                                          </p:val>
+                                        </p:tav>
+                                        <p:tav tm="70000">
+                                          <p:val>
+                                            <p:strVal val="ppt_y-0.090"/>
+                                          </p:val>
+                                        </p:tav>
+                                        <p:tav tm="80000">
+                                          <p:val>
+                                            <p:strVal val="ppt_y-0.065"/>
+                                          </p:val>
+                                        </p:tav>
+                                        <p:tav tm="90000">
+                                          <p:val>
+                                            <p:strVal val="ppt_y-0.034"/>
+                                          </p:val>
+                                        </p:tav>
+                                        <p:tav tm="100000">
+                                          <p:val>
+                                            <p:strVal val="ppt_y"/>
+                                          </p:val>
+                                        </p:tav>
+                                      </p:tavLst>
+                                    </p:anim>
+                                    <p:anim calcmode="lin" valueType="num">
+                                      <p:cBhvr>
+                                        <p:cTn id="51" dur="332" tmFilter="0, 0; 0.125,0.2665; 0.25,0.4; 0.375,0.465; 0.5,0.5;  0.625,0.535; 0.75,0.6; 0.875,0.7335; 1,1">
+                                          <p:stCondLst>
+                                            <p:cond delay="1324"/>
+                                          </p:stCondLst>
+                                        </p:cTn>
+                                        <p:tgtEl>
+                                          <p:spTgt spid="3">
+                                            <p:txEl>
+                                              <p:pRg st="2" end="2"/>
+                                            </p:txEl>
+                                          </p:spTgt>
+                                        </p:tgtEl>
+                                        <p:attrNameLst>
+                                          <p:attrName>ppt_y</p:attrName>
+                                        </p:attrNameLst>
+                                      </p:cBhvr>
+                                      <p:tavLst>
+                                        <p:tav tm="0">
+                                          <p:val>
+                                            <p:strVal val="ppt_y"/>
+                                          </p:val>
+                                        </p:tav>
+                                        <p:tav tm="10000">
+                                          <p:val>
+                                            <p:strVal val="ppt_y-0.011"/>
+                                          </p:val>
+                                        </p:tav>
+                                        <p:tav tm="20000">
+                                          <p:val>
+                                            <p:strVal val="ppt_y-0.022"/>
+                                          </p:val>
+                                        </p:tav>
+                                        <p:tav tm="30000">
+                                          <p:val>
+                                            <p:strVal val="ppt_y-0.030"/>
+                                          </p:val>
+                                        </p:tav>
+                                        <p:tav tm="40000">
+                                          <p:val>
+                                            <p:strVal val="ppt_y-0.035"/>
+                                          </p:val>
+                                        </p:tav>
+                                        <p:tav tm="50000">
+                                          <p:val>
+                                            <p:strVal val="ppt_y-0.037"/>
+                                          </p:val>
+                                        </p:tav>
+                                        <p:tav tm="60000">
+                                          <p:val>
+                                            <p:strVal val="ppt_y-0.035"/>
+                                          </p:val>
+                                        </p:tav>
+                                        <p:tav tm="70000">
+                                          <p:val>
+                                            <p:strVal val="ppt_y-0.030"/>
+                                          </p:val>
+                                        </p:tav>
+                                        <p:tav tm="80000">
+                                          <p:val>
+                                            <p:strVal val="ppt_y-0.022"/>
+                                          </p:val>
+                                        </p:tav>
+                                        <p:tav tm="90000">
+                                          <p:val>
+                                            <p:strVal val="ppt_y-0.011"/>
+                                          </p:val>
+                                        </p:tav>
+                                        <p:tav tm="100000">
+                                          <p:val>
+                                            <p:strVal val="ppt_y"/>
+                                          </p:val>
+                                        </p:tav>
+                                      </p:tavLst>
+                                    </p:anim>
+                                    <p:anim calcmode="lin" valueType="num">
+                                      <p:cBhvr>
+                                        <p:cTn id="52" dur="164" tmFilter="0, 0; 0.125,0.2665; 0.25,0.4; 0.375,0.465; 0.5,0.5;  0.625,0.535; 0.75,0.6; 0.875,0.7335; 1,1">
+                                          <p:stCondLst>
+                                            <p:cond delay="1656"/>
+                                          </p:stCondLst>
+                                        </p:cTn>
+                                        <p:tgtEl>
+                                          <p:spTgt spid="3">
+                                            <p:txEl>
+                                              <p:pRg st="2" end="2"/>
+                                            </p:txEl>
+                                          </p:spTgt>
+                                        </p:tgtEl>
+                                        <p:attrNameLst>
+                                          <p:attrName>ppt_y</p:attrName>
+                                        </p:attrNameLst>
+                                      </p:cBhvr>
+                                      <p:tavLst>
+                                        <p:tav tm="0">
+                                          <p:val>
+                                            <p:strVal val="ppt_y"/>
+                                          </p:val>
+                                        </p:tav>
+                                        <p:tav tm="10000">
+                                          <p:val>
+                                            <p:strVal val="ppt_y-0.004"/>
+                                          </p:val>
+                                        </p:tav>
+                                        <p:tav tm="20000">
+                                          <p:val>
+                                            <p:strVal val="ppt_y-0.007"/>
+                                          </p:val>
+                                        </p:tav>
+                                        <p:tav tm="30000">
+                                          <p:val>
+                                            <p:strVal val="ppt_y-0.010"/>
+                                          </p:val>
+                                        </p:tav>
+                                        <p:tav tm="40000">
+                                          <p:val>
+                                            <p:strVal val="ppt_y-0.012"/>
+                                          </p:val>
+                                        </p:tav>
+                                        <p:tav tm="50000">
+                                          <p:val>
+                                            <p:strVal val="ppt_y-0.0123"/>
+                                          </p:val>
+                                        </p:tav>
+                                        <p:tav tm="60000">
+                                          <p:val>
+                                            <p:strVal val="ppt_y-0.012"/>
+                                          </p:val>
+                                        </p:tav>
+                                        <p:tav tm="70000">
+                                          <p:val>
+                                            <p:strVal val="ppt_y-0.010"/>
+                                          </p:val>
+                                        </p:tav>
+                                        <p:tav tm="80000">
+                                          <p:val>
+                                            <p:strVal val="ppt_y-0.007"/>
+                                          </p:val>
+                                        </p:tav>
+                                        <p:tav tm="90000">
+                                          <p:val>
+                                            <p:strVal val="ppt_y-0.004"/>
+                                          </p:val>
+                                        </p:tav>
+                                        <p:tav tm="100000">
+                                          <p:val>
+                                            <p:strVal val="ppt_y"/>
+                                          </p:val>
+                                        </p:tav>
+                                      </p:tavLst>
+                                    </p:anim>
+                                    <p:anim calcmode="lin" valueType="num">
+                                      <p:cBhvr>
+                                        <p:cTn id="53" dur="180" accel="50000">
+                                          <p:stCondLst>
+                                            <p:cond delay="1820"/>
+                                          </p:stCondLst>
+                                        </p:cTn>
+                                        <p:tgtEl>
+                                          <p:spTgt spid="3">
+                                            <p:txEl>
+                                              <p:pRg st="2" end="2"/>
+                                            </p:txEl>
+                                          </p:spTgt>
+                                        </p:tgtEl>
+                                        <p:attrNameLst>
+                                          <p:attrName>ppt_y</p:attrName>
+                                        </p:attrNameLst>
+                                      </p:cBhvr>
+                                      <p:tavLst>
+                                        <p:tav tm="0">
+                                          <p:val>
+                                            <p:strVal val="ppt_y"/>
+                                          </p:val>
+                                        </p:tav>
+                                        <p:tav tm="100000">
+                                          <p:val>
+                                            <p:strVal val="ppt_y+ppt_h"/>
+                                          </p:val>
+                                        </p:tav>
+                                      </p:tavLst>
+                                    </p:anim>
+                                    <p:animScale>
+                                      <p:cBhvr>
+                                        <p:cTn id="54" dur="26">
+                                          <p:stCondLst>
+                                            <p:cond delay="620"/>
+                                          </p:stCondLst>
+                                        </p:cTn>
+                                        <p:tgtEl>
+                                          <p:spTgt spid="3">
+                                            <p:txEl>
+                                              <p:pRg st="2" end="2"/>
+                                            </p:txEl>
+                                          </p:spTgt>
+                                        </p:tgtEl>
+                                      </p:cBhvr>
+                                      <p:to x="100000" y="60000"/>
+                                    </p:animScale>
+                                    <p:animScale>
+                                      <p:cBhvr>
+                                        <p:cTn id="55" dur="166" decel="50000">
+                                          <p:stCondLst>
+                                            <p:cond delay="646"/>
+                                          </p:stCondLst>
+                                        </p:cTn>
+                                        <p:tgtEl>
+                                          <p:spTgt spid="3">
+                                            <p:txEl>
+                                              <p:pRg st="2" end="2"/>
+                                            </p:txEl>
+                                          </p:spTgt>
+                                        </p:tgtEl>
+                                      </p:cBhvr>
+                                      <p:to x="100000" y="100000"/>
+                                    </p:animScale>
+                                    <p:animScale>
+                                      <p:cBhvr>
+                                        <p:cTn id="56" dur="26">
+                                          <p:stCondLst>
+                                            <p:cond delay="1312"/>
+                                          </p:stCondLst>
+                                        </p:cTn>
+                                        <p:tgtEl>
+                                          <p:spTgt spid="3">
+                                            <p:txEl>
+                                              <p:pRg st="2" end="2"/>
+                                            </p:txEl>
+                                          </p:spTgt>
+                                        </p:tgtEl>
+                                      </p:cBhvr>
+                                      <p:to x="100000" y="80000"/>
+                                    </p:animScale>
+                                    <p:animScale>
+                                      <p:cBhvr>
+                                        <p:cTn id="57" dur="166" decel="50000">
+                                          <p:stCondLst>
+                                            <p:cond delay="1338"/>
+                                          </p:stCondLst>
+                                        </p:cTn>
+                                        <p:tgtEl>
+                                          <p:spTgt spid="3">
+                                            <p:txEl>
+                                              <p:pRg st="2" end="2"/>
+                                            </p:txEl>
+                                          </p:spTgt>
+                                        </p:tgtEl>
+                                      </p:cBhvr>
+                                      <p:to x="100000" y="100000"/>
+                                    </p:animScale>
+                                    <p:animScale>
+                                      <p:cBhvr>
+                                        <p:cTn id="58" dur="26">
+                                          <p:stCondLst>
+                                            <p:cond delay="1642"/>
+                                          </p:stCondLst>
+                                        </p:cTn>
+                                        <p:tgtEl>
+                                          <p:spTgt spid="3">
+                                            <p:txEl>
+                                              <p:pRg st="2" end="2"/>
+                                            </p:txEl>
+                                          </p:spTgt>
+                                        </p:tgtEl>
+                                      </p:cBhvr>
+                                      <p:to x="100000" y="90000"/>
+                                    </p:animScale>
+                                    <p:animScale>
+                                      <p:cBhvr>
+                                        <p:cTn id="59" dur="166" decel="50000">
+                                          <p:stCondLst>
+                                            <p:cond delay="1668"/>
+                                          </p:stCondLst>
+                                        </p:cTn>
+                                        <p:tgtEl>
+                                          <p:spTgt spid="3">
+                                            <p:txEl>
+                                              <p:pRg st="2" end="2"/>
+                                            </p:txEl>
+                                          </p:spTgt>
+                                        </p:tgtEl>
+                                      </p:cBhvr>
+                                      <p:to x="100000" y="100000"/>
+                                    </p:animScale>
+                                    <p:animScale>
+                                      <p:cBhvr>
+                                        <p:cTn id="60" dur="26">
+                                          <p:stCondLst>
+                                            <p:cond delay="1808"/>
+                                          </p:stCondLst>
+                                        </p:cTn>
+                                        <p:tgtEl>
+                                          <p:spTgt spid="3">
+                                            <p:txEl>
+                                              <p:pRg st="2" end="2"/>
+                                            </p:txEl>
+                                          </p:spTgt>
+                                        </p:tgtEl>
+                                      </p:cBhvr>
+                                      <p:to x="100000" y="95000"/>
+                                    </p:animScale>
+                                    <p:animScale>
+                                      <p:cBhvr>
+                                        <p:cTn id="61" dur="166" decel="50000">
+                                          <p:stCondLst>
+                                            <p:cond delay="1834"/>
+                                          </p:stCondLst>
+                                        </p:cTn>
+                                        <p:tgtEl>
+                                          <p:spTgt spid="3">
+                                            <p:txEl>
+                                              <p:pRg st="2" end="2"/>
+                                            </p:txEl>
+                                          </p:spTgt>
+                                        </p:tgtEl>
+                                      </p:cBhvr>
+                                      <p:to x="100000" y="100000"/>
+                                    </p:animScale>
+                                    <p:set>
+                                      <p:cBhvr>
+                                        <p:cTn id="62" dur="1" fill="hold">
+                                          <p:stCondLst>
+                                            <p:cond delay="1999"/>
+                                          </p:stCondLst>
+                                        </p:cTn>
+                                        <p:tgtEl>
+                                          <p:spTgt spid="3">
+                                            <p:txEl>
+                                              <p:pRg st="2" end="2"/>
+                                            </p:txEl>
+                                          </p:spTgt>
+                                        </p:tgtEl>
+                                        <p:attrNameLst>
+                                          <p:attrName>style.visibility</p:attrName>
+                                        </p:attrNameLst>
+                                      </p:cBhvr>
+                                      <p:to>
+                                        <p:strVal val="hidden"/>
+                                      </p:to>
+                                    </p:set>
                                   </p:childTnLst>
                                 </p:cTn>
                               </p:par>
@@ -9268,12 +11062,16 @@
   <p:clrMapOvr>
     <a:masterClrMapping/>
   </p:clrMapOvr>
-  <mc:AlternateContent xmlns:mc="http://schemas.openxmlformats.org/markup-compatibility/2006" xmlns:p14="http://schemas.microsoft.com/office/powerpoint/2010/main">
-    <mc:Choice Requires="p14">
-      <p:transition p14:dur="0"/>
+  <mc:AlternateContent xmlns:mc="http://schemas.openxmlformats.org/markup-compatibility/2006">
+    <mc:Choice xmlns:p15="http://schemas.microsoft.com/office/powerpoint/2012/main" Requires="p15">
+      <p:transition xmlns:p14="http://schemas.microsoft.com/office/powerpoint/2010/main" spd="slow" p14:dur="2000">
+        <p15:prstTrans prst="fracture"/>
+      </p:transition>
     </mc:Choice>
-    <mc:Fallback xmlns="">
-      <p:transition/>
+    <mc:Fallback>
+      <p:transition spd="slow">
+        <p:fade/>
+      </p:transition>
     </mc:Fallback>
   </mc:AlternateContent>
   <p:timing>
@@ -9438,13 +11236,13 @@
   <p:clrMapOvr>
     <a:masterClrMapping/>
   </p:clrMapOvr>
-  <mc:AlternateContent xmlns:mc="http://schemas.openxmlformats.org/markup-compatibility/2006" xmlns:p14="http://schemas.microsoft.com/office/powerpoint/2010/main">
-    <mc:Choice Requires="p14">
-      <p:transition spd="slow" p14:dur="4000">
-        <p14:vortex dir="u"/>
+  <mc:AlternateContent xmlns:mc="http://schemas.openxmlformats.org/markup-compatibility/2006">
+    <mc:Choice xmlns:p15="http://schemas.microsoft.com/office/powerpoint/2012/main" Requires="p15">
+      <p:transition xmlns:p14="http://schemas.microsoft.com/office/powerpoint/2010/main" spd="slow" p14:dur="2000">
+        <p15:prstTrans prst="fracture"/>
       </p:transition>
     </mc:Choice>
-    <mc:Fallback xmlns="">
+    <mc:Fallback>
       <p:transition spd="slow">
         <p:fade/>
       </p:transition>
@@ -9624,13 +11422,13 @@
   <p:clrMapOvr>
     <a:masterClrMapping/>
   </p:clrMapOvr>
-  <mc:AlternateContent xmlns:mc="http://schemas.openxmlformats.org/markup-compatibility/2006" xmlns:p14="http://schemas.microsoft.com/office/powerpoint/2010/main">
-    <mc:Choice Requires="p14">
-      <p:transition spd="slow" p14:dur="4000">
-        <p14:vortex dir="u"/>
+  <mc:AlternateContent xmlns:mc="http://schemas.openxmlformats.org/markup-compatibility/2006">
+    <mc:Choice xmlns:p15="http://schemas.microsoft.com/office/powerpoint/2012/main" Requires="p15">
+      <p:transition xmlns:p14="http://schemas.microsoft.com/office/powerpoint/2010/main" spd="slow" p14:dur="2000">
+        <p15:prstTrans prst="fracture"/>
       </p:transition>
     </mc:Choice>
-    <mc:Fallback xmlns="">
+    <mc:Fallback>
       <p:transition spd="slow">
         <p:fade/>
       </p:transition>
@@ -9848,13 +11646,13 @@
   <p:clrMapOvr>
     <a:masterClrMapping/>
   </p:clrMapOvr>
-  <mc:AlternateContent xmlns:mc="http://schemas.openxmlformats.org/markup-compatibility/2006" xmlns:p14="http://schemas.microsoft.com/office/powerpoint/2010/main">
-    <mc:Choice Requires="p14">
-      <p:transition spd="slow" p14:dur="4000">
-        <p14:vortex dir="u"/>
+  <mc:AlternateContent xmlns:mc="http://schemas.openxmlformats.org/markup-compatibility/2006">
+    <mc:Choice xmlns:p15="http://schemas.microsoft.com/office/powerpoint/2012/main" Requires="p15">
+      <p:transition xmlns:p14="http://schemas.microsoft.com/office/powerpoint/2010/main" spd="slow" p14:dur="2000">
+        <p15:prstTrans prst="fracture"/>
       </p:transition>
     </mc:Choice>
-    <mc:Fallback xmlns="">
+    <mc:Fallback>
       <p:transition spd="slow">
         <p:fade/>
       </p:transition>
@@ -10084,13 +11882,13 @@
   <p:clrMapOvr>
     <a:masterClrMapping/>
   </p:clrMapOvr>
-  <mc:AlternateContent xmlns:mc="http://schemas.openxmlformats.org/markup-compatibility/2006" xmlns:p14="http://schemas.microsoft.com/office/powerpoint/2010/main">
-    <mc:Choice Requires="p14">
-      <p:transition spd="slow" p14:dur="4000">
-        <p14:vortex dir="u"/>
+  <mc:AlternateContent xmlns:mc="http://schemas.openxmlformats.org/markup-compatibility/2006">
+    <mc:Choice xmlns:p15="http://schemas.microsoft.com/office/powerpoint/2012/main" Requires="p15">
+      <p:transition xmlns:p14="http://schemas.microsoft.com/office/powerpoint/2010/main" spd="slow" p14:dur="2000">
+        <p15:prstTrans prst="fracture"/>
       </p:transition>
     </mc:Choice>
-    <mc:Fallback xmlns="">
+    <mc:Fallback>
       <p:transition spd="slow">
         <p:fade/>
       </p:transition>
@@ -10266,13 +12064,13 @@
   <p:clrMapOvr>
     <a:masterClrMapping/>
   </p:clrMapOvr>
-  <mc:AlternateContent xmlns:mc="http://schemas.openxmlformats.org/markup-compatibility/2006" xmlns:p14="http://schemas.microsoft.com/office/powerpoint/2010/main">
-    <mc:Choice Requires="p14">
-      <p:transition spd="slow" p14:dur="4000">
-        <p14:vortex dir="u"/>
+  <mc:AlternateContent xmlns:mc="http://schemas.openxmlformats.org/markup-compatibility/2006">
+    <mc:Choice xmlns:p15="http://schemas.microsoft.com/office/powerpoint/2012/main" Requires="p15">
+      <p:transition xmlns:p14="http://schemas.microsoft.com/office/powerpoint/2010/main" spd="slow" p14:dur="2000">
+        <p15:prstTrans prst="fracture"/>
       </p:transition>
     </mc:Choice>
-    <mc:Fallback xmlns="">
+    <mc:Fallback>
       <p:transition spd="slow">
         <p:fade/>
       </p:transition>
@@ -10448,13 +12246,13 @@
   <p:clrMapOvr>
     <a:masterClrMapping/>
   </p:clrMapOvr>
-  <mc:AlternateContent xmlns:mc="http://schemas.openxmlformats.org/markup-compatibility/2006" xmlns:p14="http://schemas.microsoft.com/office/powerpoint/2010/main">
-    <mc:Choice Requires="p14">
-      <p:transition spd="slow" p14:dur="4000">
-        <p14:vortex dir="u"/>
+  <mc:AlternateContent xmlns:mc="http://schemas.openxmlformats.org/markup-compatibility/2006">
+    <mc:Choice xmlns:p15="http://schemas.microsoft.com/office/powerpoint/2012/main" Requires="p15">
+      <p:transition xmlns:p14="http://schemas.microsoft.com/office/powerpoint/2010/main" spd="slow" p14:dur="2000">
+        <p15:prstTrans prst="fracture"/>
       </p:transition>
     </mc:Choice>
-    <mc:Fallback xmlns="">
+    <mc:Fallback>
       <p:transition spd="slow">
         <p:fade/>
       </p:transition>
@@ -10630,13 +12428,13 @@
   <p:clrMapOvr>
     <a:masterClrMapping/>
   </p:clrMapOvr>
-  <mc:AlternateContent xmlns:mc="http://schemas.openxmlformats.org/markup-compatibility/2006" xmlns:p14="http://schemas.microsoft.com/office/powerpoint/2010/main">
-    <mc:Choice Requires="p14">
-      <p:transition spd="slow" p14:dur="4000">
-        <p14:vortex dir="u"/>
+  <mc:AlternateContent xmlns:mc="http://schemas.openxmlformats.org/markup-compatibility/2006">
+    <mc:Choice xmlns:p15="http://schemas.microsoft.com/office/powerpoint/2012/main" Requires="p15">
+      <p:transition xmlns:p14="http://schemas.microsoft.com/office/powerpoint/2010/main" spd="slow" p14:dur="2000">
+        <p15:prstTrans prst="fracture"/>
       </p:transition>
     </mc:Choice>
-    <mc:Fallback xmlns="">
+    <mc:Fallback>
       <p:transition spd="slow">
         <p:fade/>
       </p:transition>
@@ -10902,13 +12700,13 @@
   <p:clrMapOvr>
     <a:masterClrMapping/>
   </p:clrMapOvr>
-  <mc:AlternateContent xmlns:mc="http://schemas.openxmlformats.org/markup-compatibility/2006" xmlns:p14="http://schemas.microsoft.com/office/powerpoint/2010/main">
-    <mc:Choice Requires="p14">
-      <p:transition spd="slow" p14:dur="4000">
-        <p14:vortex dir="u"/>
+  <mc:AlternateContent xmlns:mc="http://schemas.openxmlformats.org/markup-compatibility/2006">
+    <mc:Choice xmlns:p15="http://schemas.microsoft.com/office/powerpoint/2012/main" Requires="p15">
+      <p:transition xmlns:p14="http://schemas.microsoft.com/office/powerpoint/2010/main" spd="slow" p14:dur="2000">
+        <p15:prstTrans prst="fracture"/>
       </p:transition>
     </mc:Choice>
-    <mc:Fallback xmlns="">
+    <mc:Fallback>
       <p:transition spd="slow">
         <p:fade/>
       </p:transition>
@@ -11084,13 +12882,13 @@
   <p:clrMapOvr>
     <a:masterClrMapping/>
   </p:clrMapOvr>
-  <mc:AlternateContent xmlns:mc="http://schemas.openxmlformats.org/markup-compatibility/2006" xmlns:p14="http://schemas.microsoft.com/office/powerpoint/2010/main">
-    <mc:Choice Requires="p14">
-      <p:transition spd="slow" p14:dur="4000">
-        <p14:vortex dir="u"/>
+  <mc:AlternateContent xmlns:mc="http://schemas.openxmlformats.org/markup-compatibility/2006">
+    <mc:Choice xmlns:p15="http://schemas.microsoft.com/office/powerpoint/2012/main" Requires="p15">
+      <p:transition xmlns:p14="http://schemas.microsoft.com/office/powerpoint/2010/main" spd="slow" p14:dur="2000">
+        <p15:prstTrans prst="fracture"/>
       </p:transition>
     </mc:Choice>
-    <mc:Fallback xmlns="">
+    <mc:Fallback>
       <p:transition spd="slow">
         <p:fade/>
       </p:transition>
@@ -11347,13 +13145,13 @@
   <p:clrMapOvr>
     <a:masterClrMapping/>
   </p:clrMapOvr>
-  <mc:AlternateContent xmlns:mc="http://schemas.openxmlformats.org/markup-compatibility/2006" xmlns:p14="http://schemas.microsoft.com/office/powerpoint/2010/main">
-    <mc:Choice Requires="p14">
-      <p:transition spd="slow" p14:dur="4000">
-        <p14:vortex dir="u"/>
+  <mc:AlternateContent xmlns:mc="http://schemas.openxmlformats.org/markup-compatibility/2006">
+    <mc:Choice xmlns:p15="http://schemas.microsoft.com/office/powerpoint/2012/main" Requires="p15">
+      <p:transition xmlns:p14="http://schemas.microsoft.com/office/powerpoint/2010/main" spd="slow" p14:dur="2000">
+        <p15:prstTrans prst="fracture"/>
       </p:transition>
     </mc:Choice>
-    <mc:Fallback xmlns="">
+    <mc:Fallback>
       <p:transition spd="slow">
         <p:fade/>
       </p:transition>
@@ -11587,13 +13385,13 @@
   <p:clrMapOvr>
     <a:masterClrMapping/>
   </p:clrMapOvr>
-  <mc:AlternateContent xmlns:mc="http://schemas.openxmlformats.org/markup-compatibility/2006" xmlns:p14="http://schemas.microsoft.com/office/powerpoint/2010/main">
-    <mc:Choice Requires="p14">
-      <p:transition spd="slow" p14:dur="4000">
-        <p14:vortex dir="u"/>
+  <mc:AlternateContent xmlns:mc="http://schemas.openxmlformats.org/markup-compatibility/2006">
+    <mc:Choice xmlns:p15="http://schemas.microsoft.com/office/powerpoint/2012/main" Requires="p15">
+      <p:transition xmlns:p14="http://schemas.microsoft.com/office/powerpoint/2010/main" spd="slow" p14:dur="2000">
+        <p15:prstTrans prst="fracture"/>
       </p:transition>
     </mc:Choice>
-    <mc:Fallback xmlns="">
+    <mc:Fallback>
       <p:transition spd="slow">
         <p:fade/>
       </p:transition>
@@ -11823,13 +13621,13 @@
   <p:clrMapOvr>
     <a:masterClrMapping/>
   </p:clrMapOvr>
-  <mc:AlternateContent xmlns:mc="http://schemas.openxmlformats.org/markup-compatibility/2006" xmlns:p14="http://schemas.microsoft.com/office/powerpoint/2010/main">
-    <mc:Choice Requires="p14">
-      <p:transition spd="slow" p14:dur="4000">
-        <p14:vortex dir="u"/>
+  <mc:AlternateContent xmlns:mc="http://schemas.openxmlformats.org/markup-compatibility/2006">
+    <mc:Choice xmlns:p15="http://schemas.microsoft.com/office/powerpoint/2012/main" Requires="p15">
+      <p:transition xmlns:p14="http://schemas.microsoft.com/office/powerpoint/2010/main" spd="slow" p14:dur="2000">
+        <p15:prstTrans prst="fracture"/>
       </p:transition>
     </mc:Choice>
-    <mc:Fallback xmlns="">
+    <mc:Fallback>
       <p:transition spd="slow">
         <p:fade/>
       </p:transition>

--- a/Все переходы и анимации в PowerPoint 2016.pptx
+++ b/Все переходы и анимации в PowerPoint 2016.pptx
@@ -4571,11 +4571,7 @@
             </a:pPr>
             <a:r>
               <a:rPr lang="en-US" dirty="0" smtClean="0"/>
-              <a:t>Twitter</a:t>
-            </a:r>
-            <a:r>
-              <a:rPr lang="en-US" dirty="0" smtClean="0"/>
-              <a:t>:</a:t>
+              <a:t>Twitter:</a:t>
             </a:r>
             <a:r>
               <a:rPr lang="ru-RU" dirty="0" smtClean="0"/>
@@ -4607,11 +4603,7 @@
             </a:pPr>
             <a:r>
               <a:rPr lang="en-US" dirty="0" smtClean="0"/>
-              <a:t>GitHub</a:t>
-            </a:r>
-            <a:r>
-              <a:rPr lang="en-US" dirty="0" smtClean="0"/>
-              <a:t>:</a:t>
+              <a:t>GitHub:</a:t>
             </a:r>
             <a:r>
               <a:rPr lang="ru-RU" dirty="0" smtClean="0"/>
@@ -4643,13 +4635,13 @@
   <p:clrMapOvr>
     <a:masterClrMapping/>
   </p:clrMapOvr>
-  <mc:AlternateContent xmlns:mc="http://schemas.openxmlformats.org/markup-compatibility/2006">
-    <mc:Choice xmlns:p15="http://schemas.microsoft.com/office/powerpoint/2012/main" Requires="p15">
+  <mc:AlternateContent xmlns:mc="http://schemas.openxmlformats.org/markup-compatibility/2006" xmlns:p15="http://schemas.microsoft.com/office/powerpoint/2012/main">
+    <mc:Choice Requires="p15">
       <p:transition xmlns:p14="http://schemas.microsoft.com/office/powerpoint/2010/main" spd="slow" p14:dur="2000">
         <p15:prstTrans prst="crush"/>
       </p:transition>
     </mc:Choice>
-    <mc:Fallback>
+    <mc:Fallback xmlns="">
       <p:transition spd="slow">
         <p:fade/>
       </p:transition>
@@ -11062,13 +11054,13 @@
   <p:clrMapOvr>
     <a:masterClrMapping/>
   </p:clrMapOvr>
-  <mc:AlternateContent xmlns:mc="http://schemas.openxmlformats.org/markup-compatibility/2006">
-    <mc:Choice xmlns:p15="http://schemas.microsoft.com/office/powerpoint/2012/main" Requires="p15">
+  <mc:AlternateContent xmlns:mc="http://schemas.openxmlformats.org/markup-compatibility/2006" xmlns:p15="http://schemas.microsoft.com/office/powerpoint/2012/main">
+    <mc:Choice Requires="p15">
       <p:transition xmlns:p14="http://schemas.microsoft.com/office/powerpoint/2010/main" spd="slow" p14:dur="2000">
         <p15:prstTrans prst="fracture"/>
       </p:transition>
     </mc:Choice>
-    <mc:Fallback>
+    <mc:Fallback xmlns="">
       <p:transition spd="slow">
         <p:fade/>
       </p:transition>
@@ -11236,13 +11228,13 @@
   <p:clrMapOvr>
     <a:masterClrMapping/>
   </p:clrMapOvr>
-  <mc:AlternateContent xmlns:mc="http://schemas.openxmlformats.org/markup-compatibility/2006">
-    <mc:Choice xmlns:p15="http://schemas.microsoft.com/office/powerpoint/2012/main" Requires="p15">
+  <mc:AlternateContent xmlns:mc="http://schemas.openxmlformats.org/markup-compatibility/2006" xmlns:p15="http://schemas.microsoft.com/office/powerpoint/2012/main">
+    <mc:Choice Requires="p15">
       <p:transition xmlns:p14="http://schemas.microsoft.com/office/powerpoint/2010/main" spd="slow" p14:dur="2000">
         <p15:prstTrans prst="fracture"/>
       </p:transition>
     </mc:Choice>
-    <mc:Fallback>
+    <mc:Fallback xmlns="">
       <p:transition spd="slow">
         <p:fade/>
       </p:transition>
@@ -11422,13 +11414,13 @@
   <p:clrMapOvr>
     <a:masterClrMapping/>
   </p:clrMapOvr>
-  <mc:AlternateContent xmlns:mc="http://schemas.openxmlformats.org/markup-compatibility/2006">
-    <mc:Choice xmlns:p15="http://schemas.microsoft.com/office/powerpoint/2012/main" Requires="p15">
+  <mc:AlternateContent xmlns:mc="http://schemas.openxmlformats.org/markup-compatibility/2006" xmlns:p15="http://schemas.microsoft.com/office/powerpoint/2012/main">
+    <mc:Choice Requires="p15">
       <p:transition xmlns:p14="http://schemas.microsoft.com/office/powerpoint/2010/main" spd="slow" p14:dur="2000">
         <p15:prstTrans prst="fracture"/>
       </p:transition>
     </mc:Choice>
-    <mc:Fallback>
+    <mc:Fallback xmlns="">
       <p:transition spd="slow">
         <p:fade/>
       </p:transition>
@@ -11646,13 +11638,13 @@
   <p:clrMapOvr>
     <a:masterClrMapping/>
   </p:clrMapOvr>
-  <mc:AlternateContent xmlns:mc="http://schemas.openxmlformats.org/markup-compatibility/2006">
-    <mc:Choice xmlns:p15="http://schemas.microsoft.com/office/powerpoint/2012/main" Requires="p15">
+  <mc:AlternateContent xmlns:mc="http://schemas.openxmlformats.org/markup-compatibility/2006" xmlns:p15="http://schemas.microsoft.com/office/powerpoint/2012/main">
+    <mc:Choice Requires="p15">
       <p:transition xmlns:p14="http://schemas.microsoft.com/office/powerpoint/2010/main" spd="slow" p14:dur="2000">
         <p15:prstTrans prst="fracture"/>
       </p:transition>
     </mc:Choice>
-    <mc:Fallback>
+    <mc:Fallback xmlns="">
       <p:transition spd="slow">
         <p:fade/>
       </p:transition>
@@ -11882,13 +11874,13 @@
   <p:clrMapOvr>
     <a:masterClrMapping/>
   </p:clrMapOvr>
-  <mc:AlternateContent xmlns:mc="http://schemas.openxmlformats.org/markup-compatibility/2006">
-    <mc:Choice xmlns:p15="http://schemas.microsoft.com/office/powerpoint/2012/main" Requires="p15">
+  <mc:AlternateContent xmlns:mc="http://schemas.openxmlformats.org/markup-compatibility/2006" xmlns:p15="http://schemas.microsoft.com/office/powerpoint/2012/main">
+    <mc:Choice Requires="p15">
       <p:transition xmlns:p14="http://schemas.microsoft.com/office/powerpoint/2010/main" spd="slow" p14:dur="2000">
         <p15:prstTrans prst="fracture"/>
       </p:transition>
     </mc:Choice>
-    <mc:Fallback>
+    <mc:Fallback xmlns="">
       <p:transition spd="slow">
         <p:fade/>
       </p:transition>
@@ -12064,13 +12056,13 @@
   <p:clrMapOvr>
     <a:masterClrMapping/>
   </p:clrMapOvr>
-  <mc:AlternateContent xmlns:mc="http://schemas.openxmlformats.org/markup-compatibility/2006">
-    <mc:Choice xmlns:p15="http://schemas.microsoft.com/office/powerpoint/2012/main" Requires="p15">
+  <mc:AlternateContent xmlns:mc="http://schemas.openxmlformats.org/markup-compatibility/2006" xmlns:p15="http://schemas.microsoft.com/office/powerpoint/2012/main">
+    <mc:Choice Requires="p15">
       <p:transition xmlns:p14="http://schemas.microsoft.com/office/powerpoint/2010/main" spd="slow" p14:dur="2000">
         <p15:prstTrans prst="fracture"/>
       </p:transition>
     </mc:Choice>
-    <mc:Fallback>
+    <mc:Fallback xmlns="">
       <p:transition spd="slow">
         <p:fade/>
       </p:transition>
@@ -12246,13 +12238,13 @@
   <p:clrMapOvr>
     <a:masterClrMapping/>
   </p:clrMapOvr>
-  <mc:AlternateContent xmlns:mc="http://schemas.openxmlformats.org/markup-compatibility/2006">
-    <mc:Choice xmlns:p15="http://schemas.microsoft.com/office/powerpoint/2012/main" Requires="p15">
+  <mc:AlternateContent xmlns:mc="http://schemas.openxmlformats.org/markup-compatibility/2006" xmlns:p15="http://schemas.microsoft.com/office/powerpoint/2012/main">
+    <mc:Choice Requires="p15">
       <p:transition xmlns:p14="http://schemas.microsoft.com/office/powerpoint/2010/main" spd="slow" p14:dur="2000">
         <p15:prstTrans prst="fracture"/>
       </p:transition>
     </mc:Choice>
-    <mc:Fallback>
+    <mc:Fallback xmlns="">
       <p:transition spd="slow">
         <p:fade/>
       </p:transition>
@@ -12428,13 +12420,13 @@
   <p:clrMapOvr>
     <a:masterClrMapping/>
   </p:clrMapOvr>
-  <mc:AlternateContent xmlns:mc="http://schemas.openxmlformats.org/markup-compatibility/2006">
-    <mc:Choice xmlns:p15="http://schemas.microsoft.com/office/powerpoint/2012/main" Requires="p15">
+  <mc:AlternateContent xmlns:mc="http://schemas.openxmlformats.org/markup-compatibility/2006" xmlns:p15="http://schemas.microsoft.com/office/powerpoint/2012/main">
+    <mc:Choice Requires="p15">
       <p:transition xmlns:p14="http://schemas.microsoft.com/office/powerpoint/2010/main" spd="slow" p14:dur="2000">
         <p15:prstTrans prst="fracture"/>
       </p:transition>
     </mc:Choice>
-    <mc:Fallback>
+    <mc:Fallback xmlns="">
       <p:transition spd="slow">
         <p:fade/>
       </p:transition>
@@ -12700,13 +12692,13 @@
   <p:clrMapOvr>
     <a:masterClrMapping/>
   </p:clrMapOvr>
-  <mc:AlternateContent xmlns:mc="http://schemas.openxmlformats.org/markup-compatibility/2006">
-    <mc:Choice xmlns:p15="http://schemas.microsoft.com/office/powerpoint/2012/main" Requires="p15">
+  <mc:AlternateContent xmlns:mc="http://schemas.openxmlformats.org/markup-compatibility/2006" xmlns:p15="http://schemas.microsoft.com/office/powerpoint/2012/main">
+    <mc:Choice Requires="p15">
       <p:transition xmlns:p14="http://schemas.microsoft.com/office/powerpoint/2010/main" spd="slow" p14:dur="2000">
         <p15:prstTrans prst="fracture"/>
       </p:transition>
     </mc:Choice>
-    <mc:Fallback>
+    <mc:Fallback xmlns="">
       <p:transition spd="slow">
         <p:fade/>
       </p:transition>
@@ -12882,13 +12874,13 @@
   <p:clrMapOvr>
     <a:masterClrMapping/>
   </p:clrMapOvr>
-  <mc:AlternateContent xmlns:mc="http://schemas.openxmlformats.org/markup-compatibility/2006">
-    <mc:Choice xmlns:p15="http://schemas.microsoft.com/office/powerpoint/2012/main" Requires="p15">
+  <mc:AlternateContent xmlns:mc="http://schemas.openxmlformats.org/markup-compatibility/2006" xmlns:p15="http://schemas.microsoft.com/office/powerpoint/2012/main">
+    <mc:Choice Requires="p15">
       <p:transition xmlns:p14="http://schemas.microsoft.com/office/powerpoint/2010/main" spd="slow" p14:dur="2000">
         <p15:prstTrans prst="fracture"/>
       </p:transition>
     </mc:Choice>
-    <mc:Fallback>
+    <mc:Fallback xmlns="">
       <p:transition spd="slow">
         <p:fade/>
       </p:transition>
@@ -13145,13 +13137,13 @@
   <p:clrMapOvr>
     <a:masterClrMapping/>
   </p:clrMapOvr>
-  <mc:AlternateContent xmlns:mc="http://schemas.openxmlformats.org/markup-compatibility/2006">
-    <mc:Choice xmlns:p15="http://schemas.microsoft.com/office/powerpoint/2012/main" Requires="p15">
+  <mc:AlternateContent xmlns:mc="http://schemas.openxmlformats.org/markup-compatibility/2006" xmlns:p15="http://schemas.microsoft.com/office/powerpoint/2012/main">
+    <mc:Choice Requires="p15">
       <p:transition xmlns:p14="http://schemas.microsoft.com/office/powerpoint/2010/main" spd="slow" p14:dur="2000">
         <p15:prstTrans prst="fracture"/>
       </p:transition>
     </mc:Choice>
-    <mc:Fallback>
+    <mc:Fallback xmlns="">
       <p:transition spd="slow">
         <p:fade/>
       </p:transition>
@@ -13385,13 +13377,13 @@
   <p:clrMapOvr>
     <a:masterClrMapping/>
   </p:clrMapOvr>
-  <mc:AlternateContent xmlns:mc="http://schemas.openxmlformats.org/markup-compatibility/2006">
-    <mc:Choice xmlns:p15="http://schemas.microsoft.com/office/powerpoint/2012/main" Requires="p15">
+  <mc:AlternateContent xmlns:mc="http://schemas.openxmlformats.org/markup-compatibility/2006" xmlns:p15="http://schemas.microsoft.com/office/powerpoint/2012/main">
+    <mc:Choice Requires="p15">
       <p:transition xmlns:p14="http://schemas.microsoft.com/office/powerpoint/2010/main" spd="slow" p14:dur="2000">
         <p15:prstTrans prst="fracture"/>
       </p:transition>
     </mc:Choice>
-    <mc:Fallback>
+    <mc:Fallback xmlns="">
       <p:transition spd="slow">
         <p:fade/>
       </p:transition>
@@ -13621,13 +13613,13 @@
   <p:clrMapOvr>
     <a:masterClrMapping/>
   </p:clrMapOvr>
-  <mc:AlternateContent xmlns:mc="http://schemas.openxmlformats.org/markup-compatibility/2006">
-    <mc:Choice xmlns:p15="http://schemas.microsoft.com/office/powerpoint/2012/main" Requires="p15">
+  <mc:AlternateContent xmlns:mc="http://schemas.openxmlformats.org/markup-compatibility/2006" xmlns:p15="http://schemas.microsoft.com/office/powerpoint/2012/main">
+    <mc:Choice Requires="p15">
       <p:transition xmlns:p14="http://schemas.microsoft.com/office/powerpoint/2010/main" spd="slow" p14:dur="2000">
         <p15:prstTrans prst="fracture"/>
       </p:transition>
     </mc:Choice>
-    <mc:Fallback>
+    <mc:Fallback xmlns="">
       <p:transition spd="slow">
         <p:fade/>
       </p:transition>
@@ -17919,13 +17911,13 @@
   <p:clrMapOvr>
     <a:masterClrMapping/>
   </p:clrMapOvr>
-  <mc:AlternateContent xmlns:mc="http://schemas.openxmlformats.org/markup-compatibility/2006" xmlns:p14="http://schemas.microsoft.com/office/powerpoint/2010/main">
-    <mc:Choice Requires="p14">
-      <p:transition spd="slow" p14:dur="4000">
-        <p14:vortex dir="u"/>
+  <mc:AlternateContent xmlns:mc="http://schemas.openxmlformats.org/markup-compatibility/2006">
+    <mc:Choice xmlns:p15="http://schemas.microsoft.com/office/powerpoint/2012/main" Requires="p15">
+      <p:transition xmlns:p14="http://schemas.microsoft.com/office/powerpoint/2010/main" spd="slow" p14:dur="2000">
+        <p15:prstTrans prst="fracture"/>
       </p:transition>
     </mc:Choice>
-    <mc:Fallback xmlns="">
+    <mc:Fallback>
       <p:transition spd="slow">
         <p:fade/>
       </p:transition>
@@ -20212,14 +20204,95 @@
                             </p:stCondLst>
                             <p:childTnLst>
                               <p:par>
-                                <p:cTn id="5" presetID="14" presetClass="exit" presetSubtype="10" fill="hold" grpId="0" nodeType="clickEffect">
+                                <p:cTn id="5" presetID="31" presetClass="exit" presetSubtype="0" fill="hold" grpId="0" nodeType="clickEffect">
                                   <p:stCondLst>
                                     <p:cond delay="0"/>
                                   </p:stCondLst>
                                   <p:childTnLst>
-                                    <p:animEffect transition="out" filter="randombar(horizontal)">
+                                    <p:anim calcmode="lin" valueType="num">
                                       <p:cBhvr>
-                                        <p:cTn id="6" dur="500"/>
+                                        <p:cTn id="6" dur="1000"/>
+                                        <p:tgtEl>
+                                          <p:spTgt spid="3">
+                                            <p:txEl>
+                                              <p:pRg st="0" end="0"/>
+                                            </p:txEl>
+                                          </p:spTgt>
+                                        </p:tgtEl>
+                                        <p:attrNameLst>
+                                          <p:attrName>ppt_w</p:attrName>
+                                        </p:attrNameLst>
+                                      </p:cBhvr>
+                                      <p:tavLst>
+                                        <p:tav tm="0">
+                                          <p:val>
+                                            <p:strVal val="ppt_w"/>
+                                          </p:val>
+                                        </p:tav>
+                                        <p:tav tm="100000">
+                                          <p:val>
+                                            <p:fltVal val="0"/>
+                                          </p:val>
+                                        </p:tav>
+                                      </p:tavLst>
+                                    </p:anim>
+                                    <p:anim calcmode="lin" valueType="num">
+                                      <p:cBhvr>
+                                        <p:cTn id="7" dur="1000"/>
+                                        <p:tgtEl>
+                                          <p:spTgt spid="3">
+                                            <p:txEl>
+                                              <p:pRg st="0" end="0"/>
+                                            </p:txEl>
+                                          </p:spTgt>
+                                        </p:tgtEl>
+                                        <p:attrNameLst>
+                                          <p:attrName>ppt_h</p:attrName>
+                                        </p:attrNameLst>
+                                      </p:cBhvr>
+                                      <p:tavLst>
+                                        <p:tav tm="0">
+                                          <p:val>
+                                            <p:strVal val="ppt_h"/>
+                                          </p:val>
+                                        </p:tav>
+                                        <p:tav tm="100000">
+                                          <p:val>
+                                            <p:fltVal val="0"/>
+                                          </p:val>
+                                        </p:tav>
+                                      </p:tavLst>
+                                    </p:anim>
+                                    <p:anim calcmode="lin" valueType="num">
+                                      <p:cBhvr>
+                                        <p:cTn id="8" dur="1000"/>
+                                        <p:tgtEl>
+                                          <p:spTgt spid="3">
+                                            <p:txEl>
+                                              <p:pRg st="0" end="0"/>
+                                            </p:txEl>
+                                          </p:spTgt>
+                                        </p:tgtEl>
+                                        <p:attrNameLst>
+                                          <p:attrName>style.rotation</p:attrName>
+                                        </p:attrNameLst>
+                                      </p:cBhvr>
+                                      <p:tavLst>
+                                        <p:tav tm="0">
+                                          <p:val>
+                                            <p:fltVal val="0"/>
+                                          </p:val>
+                                        </p:tav>
+                                        <p:tav tm="100000">
+                                          <p:val>
+                                            <p:fltVal val="90"/>
+                                          </p:val>
+                                        </p:tav>
+                                      </p:tavLst>
+                                    </p:anim>
+                                    <p:animEffect transition="out" filter="fade">
+                                      <p:cBhvr>
+                                        <p:cTn id="9" dur="1000"/>
                                         <p:tgtEl>
                                           <p:spTgt spid="3">
                                             <p:txEl>
@@ -20231,9 +20304,9 @@
                                     </p:animEffect>
                                     <p:set>
                                       <p:cBhvr>
-                                        <p:cTn id="7" dur="1" fill="hold">
+                                        <p:cTn id="10" dur="1" fill="hold">
                                           <p:stCondLst>
-                                            <p:cond delay="499"/>
+                                            <p:cond delay="999"/>
                                           </p:stCondLst>
                                         </p:cTn>
                                         <p:tgtEl>
